--- a/meterials/slides/ch11-oauth.pptx
+++ b/meterials/slides/ch11-oauth.pptx
@@ -9,38 +9,37 @@
     <p:sldMasterId id="2147483691" r:id="rId5"/>
   </p:sldMasterIdLst>
   <p:notesMasterIdLst>
-    <p:notesMasterId r:id="rId27"/>
+    <p:notesMasterId r:id="rId26"/>
   </p:notesMasterIdLst>
   <p:handoutMasterIdLst>
-    <p:handoutMasterId r:id="rId28"/>
+    <p:handoutMasterId r:id="rId27"/>
   </p:handoutMasterIdLst>
   <p:sldIdLst>
     <p:sldId id="257" r:id="rId6"/>
     <p:sldId id="446" r:id="rId7"/>
-    <p:sldId id="454" r:id="rId8"/>
-    <p:sldId id="451" r:id="rId9"/>
-    <p:sldId id="480" r:id="rId10"/>
-    <p:sldId id="494" r:id="rId11"/>
-    <p:sldId id="440" r:id="rId12"/>
-    <p:sldId id="495" r:id="rId13"/>
-    <p:sldId id="439" r:id="rId14"/>
-    <p:sldId id="460" r:id="rId15"/>
-    <p:sldId id="473" r:id="rId16"/>
-    <p:sldId id="477" r:id="rId17"/>
-    <p:sldId id="472" r:id="rId18"/>
-    <p:sldId id="469" r:id="rId19"/>
-    <p:sldId id="487" r:id="rId20"/>
-    <p:sldId id="492" r:id="rId21"/>
-    <p:sldId id="488" r:id="rId22"/>
-    <p:sldId id="493" r:id="rId23"/>
-    <p:sldId id="452" r:id="rId24"/>
-    <p:sldId id="496" r:id="rId25"/>
-    <p:sldId id="311" r:id="rId26"/>
+    <p:sldId id="451" r:id="rId8"/>
+    <p:sldId id="480" r:id="rId9"/>
+    <p:sldId id="494" r:id="rId10"/>
+    <p:sldId id="440" r:id="rId11"/>
+    <p:sldId id="495" r:id="rId12"/>
+    <p:sldId id="439" r:id="rId13"/>
+    <p:sldId id="460" r:id="rId14"/>
+    <p:sldId id="473" r:id="rId15"/>
+    <p:sldId id="477" r:id="rId16"/>
+    <p:sldId id="472" r:id="rId17"/>
+    <p:sldId id="469" r:id="rId18"/>
+    <p:sldId id="487" r:id="rId19"/>
+    <p:sldId id="492" r:id="rId20"/>
+    <p:sldId id="488" r:id="rId21"/>
+    <p:sldId id="493" r:id="rId22"/>
+    <p:sldId id="452" r:id="rId23"/>
+    <p:sldId id="496" r:id="rId24"/>
+    <p:sldId id="311" r:id="rId25"/>
   </p:sldIdLst>
   <p:sldSz cx="12192000" cy="6858000"/>
   <p:notesSz cx="6858000" cy="9144000"/>
   <p:custDataLst>
-    <p:tags r:id="rId29"/>
+    <p:tags r:id="rId28"/>
   </p:custDataLst>
   <p:defaultTextStyle>
     <a:defPPr>
@@ -948,7 +947,7 @@
                 <a:ea typeface="宋体" charset="-122"/>
               </a:rPr>
               <a:pPr algn="r" eaLnBrk="1" hangingPunct="1"/>
-              <a:t>21</a:t>
+              <a:t>20</a:t>
             </a:fld>
             <a:endParaRPr lang="zh-CN" altLang="en-US" sz="1200">
               <a:latin typeface="Calibri" pitchFamily="34" charset="0"/>
@@ -12856,151 +12855,300 @@
           <a:p>
             <a:r>
               <a:rPr lang="zh-CN" altLang="en-US" b="0" dirty="0"/>
-              <a:t>第二讲</a:t>
-            </a:r>
-          </a:p>
-        </p:txBody>
-      </p:sp>
-      <p:sp>
-        <p:nvSpPr>
-          <p:cNvPr id="4" name="文本框 3">
+              <a:t>如何配置</a:t>
+            </a:r>
+          </a:p>
+        </p:txBody>
+      </p:sp>
+      <p:sp>
+        <p:nvSpPr>
+          <p:cNvPr id="3" name="矩形 2">
             <a:extLst>
               <a:ext uri="{FF2B5EF4-FFF2-40B4-BE49-F238E27FC236}">
-                <a16:creationId xmlns:a16="http://schemas.microsoft.com/office/drawing/2014/main" id="{3765F026-0FAD-43C2-8DC3-0891FBC69423}"/>
+                <a16:creationId xmlns:a16="http://schemas.microsoft.com/office/drawing/2014/main" id="{F07CD539-CB08-4949-B223-2C4F27D3CBFD}"/>
               </a:ext>
             </a:extLst>
           </p:cNvPr>
-          <p:cNvSpPr txBox="1"/>
+          <p:cNvSpPr/>
           <p:nvPr/>
         </p:nvSpPr>
         <p:spPr>
           <a:xfrm>
-            <a:off x="4031226" y="2343152"/>
-            <a:ext cx="5412812" cy="2062103"/>
+            <a:off x="1054100" y="1741353"/>
+            <a:ext cx="10048568" cy="3416320"/>
           </a:xfrm>
           <a:prstGeom prst="rect">
             <a:avLst/>
           </a:prstGeom>
-          <a:noFill/>
         </p:spPr>
         <p:txBody>
-          <a:bodyPr wrap="square" rtlCol="0">
+          <a:bodyPr wrap="square">
             <a:spAutoFit/>
           </a:bodyPr>
           <a:lstStyle/>
           <a:p>
-            <a:pPr marL="514350" indent="-514350">
+            <a:pPr marL="285750" indent="-285750">
               <a:lnSpc>
-                <a:spcPct val="200000"/>
+                <a:spcPct val="150000"/>
               </a:lnSpc>
-              <a:buFont typeface="+mj-ea"/>
-              <a:buAutoNum type="ea1JpnChsDbPeriod"/>
+              <a:buFont typeface="Arial" panose="020B0604020202020204" pitchFamily="34" charset="0"/>
+              <a:buChar char="•"/>
             </a:pPr>
             <a:r>
-              <a:rPr lang="en-US" altLang="zh-CN" sz="2000" dirty="0" err="1">
-                <a:solidFill>
-                  <a:schemeClr val="tx1">
-                    <a:lumMod val="65000"/>
-                    <a:lumOff val="35000"/>
-                  </a:schemeClr>
-                </a:solidFill>
+              <a:rPr lang="en-US" altLang="zh-CN" dirty="0">
                 <a:latin typeface="微软雅黑" panose="020B0503020204020204" pitchFamily="34" charset="-122"/>
                 <a:ea typeface="微软雅黑" panose="020B0503020204020204" pitchFamily="34" charset="-122"/>
               </a:rPr>
-              <a:t>Oauth</a:t>
-            </a:r>
-            <a:r>
-              <a:rPr lang="zh-CN" altLang="en-US" sz="2000" dirty="0">
-                <a:solidFill>
-                  <a:schemeClr val="tx1">
-                    <a:lumMod val="65000"/>
-                    <a:lumOff val="35000"/>
-                  </a:schemeClr>
-                </a:solidFill>
+              <a:t>1</a:t>
+            </a:r>
+            <a:r>
+              <a:rPr lang="zh-CN" altLang="en-US" dirty="0">
                 <a:latin typeface="微软雅黑" panose="020B0503020204020204" pitchFamily="34" charset="-122"/>
                 <a:ea typeface="微软雅黑" panose="020B0503020204020204" pitchFamily="34" charset="-122"/>
               </a:rPr>
-              <a:t>协议基础</a:t>
-            </a:r>
-            <a:endParaRPr lang="en-US" altLang="zh-CN" sz="2000" dirty="0">
-              <a:solidFill>
-                <a:schemeClr val="tx1">
-                  <a:lumMod val="65000"/>
-                  <a:lumOff val="35000"/>
-                </a:schemeClr>
-              </a:solidFill>
+              <a:t>、在微信公众号请求用户网页授权之前，开发者需要先到公众平台官网中的“开发 </a:t>
+            </a:r>
+            <a:r>
+              <a:rPr lang="en-US" altLang="zh-CN" dirty="0">
+                <a:latin typeface="微软雅黑" panose="020B0503020204020204" pitchFamily="34" charset="-122"/>
+                <a:ea typeface="微软雅黑" panose="020B0503020204020204" pitchFamily="34" charset="-122"/>
+              </a:rPr>
+              <a:t>- </a:t>
+            </a:r>
+            <a:r>
+              <a:rPr lang="zh-CN" altLang="en-US" dirty="0">
+                <a:latin typeface="微软雅黑" panose="020B0503020204020204" pitchFamily="34" charset="-122"/>
+                <a:ea typeface="微软雅黑" panose="020B0503020204020204" pitchFamily="34" charset="-122"/>
+              </a:rPr>
+              <a:t>接口权限 </a:t>
+            </a:r>
+            <a:r>
+              <a:rPr lang="en-US" altLang="zh-CN" dirty="0">
+                <a:latin typeface="微软雅黑" panose="020B0503020204020204" pitchFamily="34" charset="-122"/>
+                <a:ea typeface="微软雅黑" panose="020B0503020204020204" pitchFamily="34" charset="-122"/>
+              </a:rPr>
+              <a:t>- </a:t>
+            </a:r>
+            <a:r>
+              <a:rPr lang="zh-CN" altLang="en-US" dirty="0">
+                <a:latin typeface="微软雅黑" panose="020B0503020204020204" pitchFamily="34" charset="-122"/>
+                <a:ea typeface="微软雅黑" panose="020B0503020204020204" pitchFamily="34" charset="-122"/>
+              </a:rPr>
+              <a:t>网页服务 </a:t>
+            </a:r>
+            <a:r>
+              <a:rPr lang="en-US" altLang="zh-CN" dirty="0">
+                <a:latin typeface="微软雅黑" panose="020B0503020204020204" pitchFamily="34" charset="-122"/>
+                <a:ea typeface="微软雅黑" panose="020B0503020204020204" pitchFamily="34" charset="-122"/>
+              </a:rPr>
+              <a:t>- </a:t>
+            </a:r>
+            <a:r>
+              <a:rPr lang="zh-CN" altLang="en-US" dirty="0">
+                <a:latin typeface="微软雅黑" panose="020B0503020204020204" pitchFamily="34" charset="-122"/>
+                <a:ea typeface="微软雅黑" panose="020B0503020204020204" pitchFamily="34" charset="-122"/>
+              </a:rPr>
+              <a:t>网页帐号 </a:t>
+            </a:r>
+            <a:r>
+              <a:rPr lang="en-US" altLang="zh-CN" dirty="0">
+                <a:latin typeface="微软雅黑" panose="020B0503020204020204" pitchFamily="34" charset="-122"/>
+                <a:ea typeface="微软雅黑" panose="020B0503020204020204" pitchFamily="34" charset="-122"/>
+              </a:rPr>
+              <a:t>- </a:t>
+            </a:r>
+            <a:r>
+              <a:rPr lang="zh-CN" altLang="en-US" dirty="0">
+                <a:latin typeface="微软雅黑" panose="020B0503020204020204" pitchFamily="34" charset="-122"/>
+                <a:ea typeface="微软雅黑" panose="020B0503020204020204" pitchFamily="34" charset="-122"/>
+              </a:rPr>
+              <a:t>网页授权获取用户基本信息”的配置选项中，修改授权回调域名。请注意，这里填写的是域名（是一个字符串），而不是</a:t>
+            </a:r>
+            <a:r>
+              <a:rPr lang="en-US" altLang="zh-CN" dirty="0">
+                <a:latin typeface="微软雅黑" panose="020B0503020204020204" pitchFamily="34" charset="-122"/>
+                <a:ea typeface="微软雅黑" panose="020B0503020204020204" pitchFamily="34" charset="-122"/>
+              </a:rPr>
+              <a:t>URL</a:t>
+            </a:r>
+            <a:r>
+              <a:rPr lang="zh-CN" altLang="en-US" dirty="0">
+                <a:latin typeface="微软雅黑" panose="020B0503020204020204" pitchFamily="34" charset="-122"/>
+                <a:ea typeface="微软雅黑" panose="020B0503020204020204" pitchFamily="34" charset="-122"/>
+              </a:rPr>
+              <a:t>，因此请勿加 </a:t>
+            </a:r>
+            <a:r>
+              <a:rPr lang="en-US" altLang="zh-CN" dirty="0">
+                <a:latin typeface="微软雅黑" panose="020B0503020204020204" pitchFamily="34" charset="-122"/>
+                <a:ea typeface="微软雅黑" panose="020B0503020204020204" pitchFamily="34" charset="-122"/>
+              </a:rPr>
+              <a:t>http:// </a:t>
+            </a:r>
+            <a:r>
+              <a:rPr lang="zh-CN" altLang="en-US" dirty="0">
+                <a:latin typeface="微软雅黑" panose="020B0503020204020204" pitchFamily="34" charset="-122"/>
+                <a:ea typeface="微软雅黑" panose="020B0503020204020204" pitchFamily="34" charset="-122"/>
+              </a:rPr>
+              <a:t>等协议头。</a:t>
+            </a:r>
+            <a:endParaRPr lang="en-US" altLang="zh-CN" dirty="0">
               <a:latin typeface="微软雅黑" panose="020B0503020204020204" pitchFamily="34" charset="-122"/>
               <a:ea typeface="微软雅黑" panose="020B0503020204020204" pitchFamily="34" charset="-122"/>
             </a:endParaRPr>
           </a:p>
           <a:p>
-            <a:pPr marL="514350" indent="-514350">
+            <a:pPr>
               <a:lnSpc>
-                <a:spcPct val="200000"/>
+                <a:spcPct val="150000"/>
               </a:lnSpc>
-              <a:buFont typeface="+mj-ea"/>
-              <a:buAutoNum type="ea1JpnChsDbPeriod"/>
             </a:pPr>
-            <a:r>
-              <a:rPr lang="zh-CN" altLang="en-US" sz="2400" dirty="0">
-                <a:solidFill>
-                  <a:schemeClr val="accent6">
-                    <a:lumMod val="75000"/>
-                  </a:schemeClr>
-                </a:solidFill>
+            <a:endParaRPr lang="zh-CN" altLang="en-US" dirty="0">
+              <a:latin typeface="微软雅黑" panose="020B0503020204020204" pitchFamily="34" charset="-122"/>
+              <a:ea typeface="微软雅黑" panose="020B0503020204020204" pitchFamily="34" charset="-122"/>
+            </a:endParaRPr>
+          </a:p>
+          <a:p>
+            <a:pPr marL="285750" indent="-285750">
+              <a:lnSpc>
+                <a:spcPct val="150000"/>
+              </a:lnSpc>
+              <a:buFont typeface="Arial" panose="020B0604020202020204" pitchFamily="34" charset="0"/>
+              <a:buChar char="•"/>
+            </a:pPr>
+            <a:r>
+              <a:rPr lang="en-US" altLang="zh-CN" dirty="0">
                 <a:latin typeface="微软雅黑" panose="020B0503020204020204" pitchFamily="34" charset="-122"/>
                 <a:ea typeface="微软雅黑" panose="020B0503020204020204" pitchFamily="34" charset="-122"/>
               </a:rPr>
-              <a:t>微信网页授权</a:t>
-            </a:r>
-            <a:endParaRPr lang="en-US" altLang="zh-CN" sz="2400" dirty="0">
-              <a:solidFill>
-                <a:schemeClr val="accent6">
-                  <a:lumMod val="75000"/>
-                </a:schemeClr>
-              </a:solidFill>
-              <a:latin typeface="微软雅黑" panose="020B0503020204020204" pitchFamily="34" charset="-122"/>
-              <a:ea typeface="微软雅黑" panose="020B0503020204020204" pitchFamily="34" charset="-122"/>
-            </a:endParaRPr>
-          </a:p>
-          <a:p>
-            <a:pPr marL="514350" indent="-514350">
-              <a:lnSpc>
-                <a:spcPct val="200000"/>
-              </a:lnSpc>
-              <a:buFont typeface="+mj-ea"/>
-              <a:buAutoNum type="ea1JpnChsDbPeriod"/>
-            </a:pPr>
-            <a:r>
-              <a:rPr lang="zh-CN" altLang="en-US" sz="2000" dirty="0">
-                <a:solidFill>
-                  <a:schemeClr val="tx1">
-                    <a:lumMod val="65000"/>
-                    <a:lumOff val="35000"/>
-                  </a:schemeClr>
-                </a:solidFill>
+              <a:t>2</a:t>
+            </a:r>
+            <a:r>
+              <a:rPr lang="zh-CN" altLang="en-US" dirty="0">
                 <a:latin typeface="微软雅黑" panose="020B0503020204020204" pitchFamily="34" charset="-122"/>
                 <a:ea typeface="微软雅黑" panose="020B0503020204020204" pitchFamily="34" charset="-122"/>
               </a:rPr>
-              <a:t>实现第三方登录</a:t>
-            </a:r>
-            <a:endParaRPr lang="en-US" altLang="zh-CN" sz="2000" dirty="0">
-              <a:solidFill>
-                <a:schemeClr val="tx1">
-                  <a:lumMod val="65000"/>
-                  <a:lumOff val="35000"/>
-                </a:schemeClr>
-              </a:solidFill>
-              <a:latin typeface="微软雅黑" panose="020B0503020204020204" pitchFamily="34" charset="-122"/>
-              <a:ea typeface="微软雅黑" panose="020B0503020204020204" pitchFamily="34" charset="-122"/>
-            </a:endParaRPr>
+              <a:t>、授权回调域名配置规范为全域名，比如需要网页授权的域名为：</a:t>
+            </a:r>
+            <a:r>
+              <a:rPr lang="en-US" altLang="zh-CN" dirty="0">
+                <a:latin typeface="微软雅黑" panose="020B0503020204020204" pitchFamily="34" charset="-122"/>
+                <a:ea typeface="微软雅黑" panose="020B0503020204020204" pitchFamily="34" charset="-122"/>
+              </a:rPr>
+              <a:t>www.qq.com</a:t>
+            </a:r>
+            <a:r>
+              <a:rPr lang="zh-CN" altLang="en-US" dirty="0">
+                <a:latin typeface="微软雅黑" panose="020B0503020204020204" pitchFamily="34" charset="-122"/>
+                <a:ea typeface="微软雅黑" panose="020B0503020204020204" pitchFamily="34" charset="-122"/>
+              </a:rPr>
+              <a:t>，配置以后此域名下面的页面</a:t>
+            </a:r>
+            <a:r>
+              <a:rPr lang="en-US" altLang="zh-CN" dirty="0">
+                <a:latin typeface="微软雅黑" panose="020B0503020204020204" pitchFamily="34" charset="-122"/>
+                <a:ea typeface="微软雅黑" panose="020B0503020204020204" pitchFamily="34" charset="-122"/>
+              </a:rPr>
+              <a:t>http://www.qq.com/music.html </a:t>
+            </a:r>
+            <a:r>
+              <a:rPr lang="zh-CN" altLang="en-US" dirty="0">
+                <a:latin typeface="微软雅黑" panose="020B0503020204020204" pitchFamily="34" charset="-122"/>
+                <a:ea typeface="微软雅黑" panose="020B0503020204020204" pitchFamily="34" charset="-122"/>
+              </a:rPr>
+              <a:t>、 </a:t>
+            </a:r>
+            <a:r>
+              <a:rPr lang="en-US" altLang="zh-CN" dirty="0">
+                <a:latin typeface="微软雅黑" panose="020B0503020204020204" pitchFamily="34" charset="-122"/>
+                <a:ea typeface="微软雅黑" panose="020B0503020204020204" pitchFamily="34" charset="-122"/>
+              </a:rPr>
+              <a:t>http://www.qq.com/login.html </a:t>
+            </a:r>
+            <a:r>
+              <a:rPr lang="zh-CN" altLang="en-US" dirty="0">
+                <a:latin typeface="微软雅黑" panose="020B0503020204020204" pitchFamily="34" charset="-122"/>
+                <a:ea typeface="微软雅黑" panose="020B0503020204020204" pitchFamily="34" charset="-122"/>
+              </a:rPr>
+              <a:t>都可以进行</a:t>
+            </a:r>
+            <a:r>
+              <a:rPr lang="en-US" altLang="zh-CN" dirty="0">
+                <a:latin typeface="微软雅黑" panose="020B0503020204020204" pitchFamily="34" charset="-122"/>
+                <a:ea typeface="微软雅黑" panose="020B0503020204020204" pitchFamily="34" charset="-122"/>
+              </a:rPr>
+              <a:t>OAuth2.0</a:t>
+            </a:r>
+            <a:r>
+              <a:rPr lang="zh-CN" altLang="en-US" dirty="0">
+                <a:latin typeface="微软雅黑" panose="020B0503020204020204" pitchFamily="34" charset="-122"/>
+                <a:ea typeface="微软雅黑" panose="020B0503020204020204" pitchFamily="34" charset="-122"/>
+              </a:rPr>
+              <a:t>鉴权。但</a:t>
+            </a:r>
+            <a:r>
+              <a:rPr lang="en-US" altLang="zh-CN" dirty="0">
+                <a:latin typeface="微软雅黑" panose="020B0503020204020204" pitchFamily="34" charset="-122"/>
+                <a:ea typeface="微软雅黑" panose="020B0503020204020204" pitchFamily="34" charset="-122"/>
+              </a:rPr>
+              <a:t>http://pay.qq.com </a:t>
+            </a:r>
+            <a:r>
+              <a:rPr lang="zh-CN" altLang="en-US" dirty="0">
+                <a:latin typeface="微软雅黑" panose="020B0503020204020204" pitchFamily="34" charset="-122"/>
+                <a:ea typeface="微软雅黑" panose="020B0503020204020204" pitchFamily="34" charset="-122"/>
+              </a:rPr>
+              <a:t>、 </a:t>
+            </a:r>
+            <a:r>
+              <a:rPr lang="en-US" altLang="zh-CN" dirty="0">
+                <a:latin typeface="微软雅黑" panose="020B0503020204020204" pitchFamily="34" charset="-122"/>
+                <a:ea typeface="微软雅黑" panose="020B0503020204020204" pitchFamily="34" charset="-122"/>
+              </a:rPr>
+              <a:t>http://music.qq.com </a:t>
+            </a:r>
+            <a:r>
+              <a:rPr lang="zh-CN" altLang="en-US" dirty="0">
+                <a:latin typeface="微软雅黑" panose="020B0503020204020204" pitchFamily="34" charset="-122"/>
+                <a:ea typeface="微软雅黑" panose="020B0503020204020204" pitchFamily="34" charset="-122"/>
+              </a:rPr>
+              <a:t>、 </a:t>
+            </a:r>
+            <a:r>
+              <a:rPr lang="en-US" altLang="zh-CN" dirty="0">
+                <a:latin typeface="微软雅黑" panose="020B0503020204020204" pitchFamily="34" charset="-122"/>
+                <a:ea typeface="微软雅黑" panose="020B0503020204020204" pitchFamily="34" charset="-122"/>
+              </a:rPr>
+              <a:t>http://qq.com</a:t>
+            </a:r>
+            <a:r>
+              <a:rPr lang="zh-CN" altLang="en-US" dirty="0">
+                <a:latin typeface="微软雅黑" panose="020B0503020204020204" pitchFamily="34" charset="-122"/>
+                <a:ea typeface="微软雅黑" panose="020B0503020204020204" pitchFamily="34" charset="-122"/>
+              </a:rPr>
+              <a:t>无法进行</a:t>
+            </a:r>
+            <a:r>
+              <a:rPr lang="en-US" altLang="zh-CN" dirty="0">
+                <a:latin typeface="微软雅黑" panose="020B0503020204020204" pitchFamily="34" charset="-122"/>
+                <a:ea typeface="微软雅黑" panose="020B0503020204020204" pitchFamily="34" charset="-122"/>
+              </a:rPr>
+              <a:t>OAuth2.0</a:t>
+            </a:r>
+            <a:r>
+              <a:rPr lang="zh-CN" altLang="en-US" dirty="0">
+                <a:latin typeface="微软雅黑" panose="020B0503020204020204" pitchFamily="34" charset="-122"/>
+                <a:ea typeface="微软雅黑" panose="020B0503020204020204" pitchFamily="34" charset="-122"/>
+              </a:rPr>
+              <a:t>鉴权 。</a:t>
+            </a:r>
           </a:p>
         </p:txBody>
       </p:sp>
     </p:spTree>
     <p:extLst>
       <p:ext uri="{BB962C8B-B14F-4D97-AF65-F5344CB8AC3E}">
-        <p14:creationId xmlns:p14="http://schemas.microsoft.com/office/powerpoint/2010/main" val="2999457395"/>
+        <p14:creationId xmlns:p14="http://schemas.microsoft.com/office/powerpoint/2010/main" val="1256594085"/>
       </p:ext>
     </p:extLst>
   </p:cSld>
@@ -13037,343 +13185,6 @@
             <p:ph sz="quarter" idx="13"/>
           </p:nvPr>
         </p:nvSpPr>
-        <p:spPr/>
-        <p:txBody>
-          <a:bodyPr/>
-          <a:lstStyle/>
-          <a:p>
-            <a:r>
-              <a:rPr lang="zh-CN" altLang="en-US" b="0" dirty="0"/>
-              <a:t>如何配置</a:t>
-            </a:r>
-          </a:p>
-        </p:txBody>
-      </p:sp>
-      <p:sp>
-        <p:nvSpPr>
-          <p:cNvPr id="3" name="矩形 2">
-            <a:extLst>
-              <a:ext uri="{FF2B5EF4-FFF2-40B4-BE49-F238E27FC236}">
-                <a16:creationId xmlns:a16="http://schemas.microsoft.com/office/drawing/2014/main" id="{F07CD539-CB08-4949-B223-2C4F27D3CBFD}"/>
-              </a:ext>
-            </a:extLst>
-          </p:cNvPr>
-          <p:cNvSpPr/>
-          <p:nvPr/>
-        </p:nvSpPr>
-        <p:spPr>
-          <a:xfrm>
-            <a:off x="1054100" y="1741353"/>
-            <a:ext cx="10048568" cy="3416320"/>
-          </a:xfrm>
-          <a:prstGeom prst="rect">
-            <a:avLst/>
-          </a:prstGeom>
-        </p:spPr>
-        <p:txBody>
-          <a:bodyPr wrap="square">
-            <a:spAutoFit/>
-          </a:bodyPr>
-          <a:lstStyle/>
-          <a:p>
-            <a:pPr marL="285750" indent="-285750">
-              <a:lnSpc>
-                <a:spcPct val="150000"/>
-              </a:lnSpc>
-              <a:buFont typeface="Arial" panose="020B0604020202020204" pitchFamily="34" charset="0"/>
-              <a:buChar char="•"/>
-            </a:pPr>
-            <a:r>
-              <a:rPr lang="en-US" altLang="zh-CN" dirty="0">
-                <a:latin typeface="微软雅黑" panose="020B0503020204020204" pitchFamily="34" charset="-122"/>
-                <a:ea typeface="微软雅黑" panose="020B0503020204020204" pitchFamily="34" charset="-122"/>
-              </a:rPr>
-              <a:t>1</a:t>
-            </a:r>
-            <a:r>
-              <a:rPr lang="zh-CN" altLang="en-US" dirty="0">
-                <a:latin typeface="微软雅黑" panose="020B0503020204020204" pitchFamily="34" charset="-122"/>
-                <a:ea typeface="微软雅黑" panose="020B0503020204020204" pitchFamily="34" charset="-122"/>
-              </a:rPr>
-              <a:t>、在微信公众号请求用户网页授权之前，开发者需要先到公众平台官网中的“开发 </a:t>
-            </a:r>
-            <a:r>
-              <a:rPr lang="en-US" altLang="zh-CN" dirty="0">
-                <a:latin typeface="微软雅黑" panose="020B0503020204020204" pitchFamily="34" charset="-122"/>
-                <a:ea typeface="微软雅黑" panose="020B0503020204020204" pitchFamily="34" charset="-122"/>
-              </a:rPr>
-              <a:t>- </a:t>
-            </a:r>
-            <a:r>
-              <a:rPr lang="zh-CN" altLang="en-US" dirty="0">
-                <a:latin typeface="微软雅黑" panose="020B0503020204020204" pitchFamily="34" charset="-122"/>
-                <a:ea typeface="微软雅黑" panose="020B0503020204020204" pitchFamily="34" charset="-122"/>
-              </a:rPr>
-              <a:t>接口权限 </a:t>
-            </a:r>
-            <a:r>
-              <a:rPr lang="en-US" altLang="zh-CN" dirty="0">
-                <a:latin typeface="微软雅黑" panose="020B0503020204020204" pitchFamily="34" charset="-122"/>
-                <a:ea typeface="微软雅黑" panose="020B0503020204020204" pitchFamily="34" charset="-122"/>
-              </a:rPr>
-              <a:t>- </a:t>
-            </a:r>
-            <a:r>
-              <a:rPr lang="zh-CN" altLang="en-US" dirty="0">
-                <a:latin typeface="微软雅黑" panose="020B0503020204020204" pitchFamily="34" charset="-122"/>
-                <a:ea typeface="微软雅黑" panose="020B0503020204020204" pitchFamily="34" charset="-122"/>
-              </a:rPr>
-              <a:t>网页服务 </a:t>
-            </a:r>
-            <a:r>
-              <a:rPr lang="en-US" altLang="zh-CN" dirty="0">
-                <a:latin typeface="微软雅黑" panose="020B0503020204020204" pitchFamily="34" charset="-122"/>
-                <a:ea typeface="微软雅黑" panose="020B0503020204020204" pitchFamily="34" charset="-122"/>
-              </a:rPr>
-              <a:t>- </a:t>
-            </a:r>
-            <a:r>
-              <a:rPr lang="zh-CN" altLang="en-US" dirty="0">
-                <a:latin typeface="微软雅黑" panose="020B0503020204020204" pitchFamily="34" charset="-122"/>
-                <a:ea typeface="微软雅黑" panose="020B0503020204020204" pitchFamily="34" charset="-122"/>
-              </a:rPr>
-              <a:t>网页帐号 </a:t>
-            </a:r>
-            <a:r>
-              <a:rPr lang="en-US" altLang="zh-CN" dirty="0">
-                <a:latin typeface="微软雅黑" panose="020B0503020204020204" pitchFamily="34" charset="-122"/>
-                <a:ea typeface="微软雅黑" panose="020B0503020204020204" pitchFamily="34" charset="-122"/>
-              </a:rPr>
-              <a:t>- </a:t>
-            </a:r>
-            <a:r>
-              <a:rPr lang="zh-CN" altLang="en-US" dirty="0">
-                <a:latin typeface="微软雅黑" panose="020B0503020204020204" pitchFamily="34" charset="-122"/>
-                <a:ea typeface="微软雅黑" panose="020B0503020204020204" pitchFamily="34" charset="-122"/>
-              </a:rPr>
-              <a:t>网页授权获取用户基本信息”的配置选项中，修改授权回调域名。请注意，这里填写的是域名（是一个字符串），而不是</a:t>
-            </a:r>
-            <a:r>
-              <a:rPr lang="en-US" altLang="zh-CN" dirty="0">
-                <a:latin typeface="微软雅黑" panose="020B0503020204020204" pitchFamily="34" charset="-122"/>
-                <a:ea typeface="微软雅黑" panose="020B0503020204020204" pitchFamily="34" charset="-122"/>
-              </a:rPr>
-              <a:t>URL</a:t>
-            </a:r>
-            <a:r>
-              <a:rPr lang="zh-CN" altLang="en-US" dirty="0">
-                <a:latin typeface="微软雅黑" panose="020B0503020204020204" pitchFamily="34" charset="-122"/>
-                <a:ea typeface="微软雅黑" panose="020B0503020204020204" pitchFamily="34" charset="-122"/>
-              </a:rPr>
-              <a:t>，因此请勿加 </a:t>
-            </a:r>
-            <a:r>
-              <a:rPr lang="en-US" altLang="zh-CN" dirty="0">
-                <a:latin typeface="微软雅黑" panose="020B0503020204020204" pitchFamily="34" charset="-122"/>
-                <a:ea typeface="微软雅黑" panose="020B0503020204020204" pitchFamily="34" charset="-122"/>
-              </a:rPr>
-              <a:t>http:// </a:t>
-            </a:r>
-            <a:r>
-              <a:rPr lang="zh-CN" altLang="en-US" dirty="0">
-                <a:latin typeface="微软雅黑" panose="020B0503020204020204" pitchFamily="34" charset="-122"/>
-                <a:ea typeface="微软雅黑" panose="020B0503020204020204" pitchFamily="34" charset="-122"/>
-              </a:rPr>
-              <a:t>等协议头。</a:t>
-            </a:r>
-            <a:endParaRPr lang="en-US" altLang="zh-CN" dirty="0">
-              <a:latin typeface="微软雅黑" panose="020B0503020204020204" pitchFamily="34" charset="-122"/>
-              <a:ea typeface="微软雅黑" panose="020B0503020204020204" pitchFamily="34" charset="-122"/>
-            </a:endParaRPr>
-          </a:p>
-          <a:p>
-            <a:pPr>
-              <a:lnSpc>
-                <a:spcPct val="150000"/>
-              </a:lnSpc>
-            </a:pPr>
-            <a:endParaRPr lang="zh-CN" altLang="en-US" dirty="0">
-              <a:latin typeface="微软雅黑" panose="020B0503020204020204" pitchFamily="34" charset="-122"/>
-              <a:ea typeface="微软雅黑" panose="020B0503020204020204" pitchFamily="34" charset="-122"/>
-            </a:endParaRPr>
-          </a:p>
-          <a:p>
-            <a:pPr marL="285750" indent="-285750">
-              <a:lnSpc>
-                <a:spcPct val="150000"/>
-              </a:lnSpc>
-              <a:buFont typeface="Arial" panose="020B0604020202020204" pitchFamily="34" charset="0"/>
-              <a:buChar char="•"/>
-            </a:pPr>
-            <a:r>
-              <a:rPr lang="en-US" altLang="zh-CN" dirty="0">
-                <a:latin typeface="微软雅黑" panose="020B0503020204020204" pitchFamily="34" charset="-122"/>
-                <a:ea typeface="微软雅黑" panose="020B0503020204020204" pitchFamily="34" charset="-122"/>
-              </a:rPr>
-              <a:t>2</a:t>
-            </a:r>
-            <a:r>
-              <a:rPr lang="zh-CN" altLang="en-US" dirty="0">
-                <a:latin typeface="微软雅黑" panose="020B0503020204020204" pitchFamily="34" charset="-122"/>
-                <a:ea typeface="微软雅黑" panose="020B0503020204020204" pitchFamily="34" charset="-122"/>
-              </a:rPr>
-              <a:t>、授权回调域名配置规范为全域名，比如需要网页授权的域名为：</a:t>
-            </a:r>
-            <a:r>
-              <a:rPr lang="en-US" altLang="zh-CN" dirty="0">
-                <a:latin typeface="微软雅黑" panose="020B0503020204020204" pitchFamily="34" charset="-122"/>
-                <a:ea typeface="微软雅黑" panose="020B0503020204020204" pitchFamily="34" charset="-122"/>
-              </a:rPr>
-              <a:t>www.qq.com</a:t>
-            </a:r>
-            <a:r>
-              <a:rPr lang="zh-CN" altLang="en-US" dirty="0">
-                <a:latin typeface="微软雅黑" panose="020B0503020204020204" pitchFamily="34" charset="-122"/>
-                <a:ea typeface="微软雅黑" panose="020B0503020204020204" pitchFamily="34" charset="-122"/>
-              </a:rPr>
-              <a:t>，配置以后此域名下面的页面</a:t>
-            </a:r>
-            <a:r>
-              <a:rPr lang="en-US" altLang="zh-CN" dirty="0">
-                <a:latin typeface="微软雅黑" panose="020B0503020204020204" pitchFamily="34" charset="-122"/>
-                <a:ea typeface="微软雅黑" panose="020B0503020204020204" pitchFamily="34" charset="-122"/>
-              </a:rPr>
-              <a:t>http://www.qq.com/music.html </a:t>
-            </a:r>
-            <a:r>
-              <a:rPr lang="zh-CN" altLang="en-US" dirty="0">
-                <a:latin typeface="微软雅黑" panose="020B0503020204020204" pitchFamily="34" charset="-122"/>
-                <a:ea typeface="微软雅黑" panose="020B0503020204020204" pitchFamily="34" charset="-122"/>
-              </a:rPr>
-              <a:t>、 </a:t>
-            </a:r>
-            <a:r>
-              <a:rPr lang="en-US" altLang="zh-CN" dirty="0">
-                <a:latin typeface="微软雅黑" panose="020B0503020204020204" pitchFamily="34" charset="-122"/>
-                <a:ea typeface="微软雅黑" panose="020B0503020204020204" pitchFamily="34" charset="-122"/>
-              </a:rPr>
-              <a:t>http://www.qq.com/login.html </a:t>
-            </a:r>
-            <a:r>
-              <a:rPr lang="zh-CN" altLang="en-US" dirty="0">
-                <a:latin typeface="微软雅黑" panose="020B0503020204020204" pitchFamily="34" charset="-122"/>
-                <a:ea typeface="微软雅黑" panose="020B0503020204020204" pitchFamily="34" charset="-122"/>
-              </a:rPr>
-              <a:t>都可以进行</a:t>
-            </a:r>
-            <a:r>
-              <a:rPr lang="en-US" altLang="zh-CN" dirty="0">
-                <a:latin typeface="微软雅黑" panose="020B0503020204020204" pitchFamily="34" charset="-122"/>
-                <a:ea typeface="微软雅黑" panose="020B0503020204020204" pitchFamily="34" charset="-122"/>
-              </a:rPr>
-              <a:t>OAuth2.0</a:t>
-            </a:r>
-            <a:r>
-              <a:rPr lang="zh-CN" altLang="en-US" dirty="0">
-                <a:latin typeface="微软雅黑" panose="020B0503020204020204" pitchFamily="34" charset="-122"/>
-                <a:ea typeface="微软雅黑" panose="020B0503020204020204" pitchFamily="34" charset="-122"/>
-              </a:rPr>
-              <a:t>鉴权。但</a:t>
-            </a:r>
-            <a:r>
-              <a:rPr lang="en-US" altLang="zh-CN" dirty="0">
-                <a:latin typeface="微软雅黑" panose="020B0503020204020204" pitchFamily="34" charset="-122"/>
-                <a:ea typeface="微软雅黑" panose="020B0503020204020204" pitchFamily="34" charset="-122"/>
-              </a:rPr>
-              <a:t>http://pay.qq.com </a:t>
-            </a:r>
-            <a:r>
-              <a:rPr lang="zh-CN" altLang="en-US" dirty="0">
-                <a:latin typeface="微软雅黑" panose="020B0503020204020204" pitchFamily="34" charset="-122"/>
-                <a:ea typeface="微软雅黑" panose="020B0503020204020204" pitchFamily="34" charset="-122"/>
-              </a:rPr>
-              <a:t>、 </a:t>
-            </a:r>
-            <a:r>
-              <a:rPr lang="en-US" altLang="zh-CN" dirty="0">
-                <a:latin typeface="微软雅黑" panose="020B0503020204020204" pitchFamily="34" charset="-122"/>
-                <a:ea typeface="微软雅黑" panose="020B0503020204020204" pitchFamily="34" charset="-122"/>
-              </a:rPr>
-              <a:t>http://music.qq.com </a:t>
-            </a:r>
-            <a:r>
-              <a:rPr lang="zh-CN" altLang="en-US" dirty="0">
-                <a:latin typeface="微软雅黑" panose="020B0503020204020204" pitchFamily="34" charset="-122"/>
-                <a:ea typeface="微软雅黑" panose="020B0503020204020204" pitchFamily="34" charset="-122"/>
-              </a:rPr>
-              <a:t>、 </a:t>
-            </a:r>
-            <a:r>
-              <a:rPr lang="en-US" altLang="zh-CN" dirty="0">
-                <a:latin typeface="微软雅黑" panose="020B0503020204020204" pitchFamily="34" charset="-122"/>
-                <a:ea typeface="微软雅黑" panose="020B0503020204020204" pitchFamily="34" charset="-122"/>
-              </a:rPr>
-              <a:t>http://qq.com</a:t>
-            </a:r>
-            <a:r>
-              <a:rPr lang="zh-CN" altLang="en-US" dirty="0">
-                <a:latin typeface="微软雅黑" panose="020B0503020204020204" pitchFamily="34" charset="-122"/>
-                <a:ea typeface="微软雅黑" panose="020B0503020204020204" pitchFamily="34" charset="-122"/>
-              </a:rPr>
-              <a:t>无法进行</a:t>
-            </a:r>
-            <a:r>
-              <a:rPr lang="en-US" altLang="zh-CN" dirty="0">
-                <a:latin typeface="微软雅黑" panose="020B0503020204020204" pitchFamily="34" charset="-122"/>
-                <a:ea typeface="微软雅黑" panose="020B0503020204020204" pitchFamily="34" charset="-122"/>
-              </a:rPr>
-              <a:t>OAuth2.0</a:t>
-            </a:r>
-            <a:r>
-              <a:rPr lang="zh-CN" altLang="en-US" dirty="0">
-                <a:latin typeface="微软雅黑" panose="020B0503020204020204" pitchFamily="34" charset="-122"/>
-                <a:ea typeface="微软雅黑" panose="020B0503020204020204" pitchFamily="34" charset="-122"/>
-              </a:rPr>
-              <a:t>鉴权 。</a:t>
-            </a:r>
-          </a:p>
-        </p:txBody>
-      </p:sp>
-    </p:spTree>
-    <p:extLst>
-      <p:ext uri="{BB962C8B-B14F-4D97-AF65-F5344CB8AC3E}">
-        <p14:creationId xmlns:p14="http://schemas.microsoft.com/office/powerpoint/2010/main" val="1256594085"/>
-      </p:ext>
-    </p:extLst>
-  </p:cSld>
-  <p:clrMapOvr>
-    <a:masterClrMapping/>
-  </p:clrMapOvr>
-</p:sld>
-</file>
-
-<file path=ppt/slides/slide12.xml><?xml version="1.0" encoding="utf-8"?>
-<p:sld xmlns:a="http://schemas.openxmlformats.org/drawingml/2006/main" xmlns:r="http://schemas.openxmlformats.org/officeDocument/2006/relationships" xmlns:p="http://schemas.openxmlformats.org/presentationml/2006/main">
-  <p:cSld>
-    <p:spTree>
-      <p:nvGrpSpPr>
-        <p:cNvPr id="1" name=""/>
-        <p:cNvGrpSpPr/>
-        <p:nvPr/>
-      </p:nvGrpSpPr>
-      <p:grpSpPr>
-        <a:xfrm>
-          <a:off x="0" y="0"/>
-          <a:ext cx="0" cy="0"/>
-          <a:chOff x="0" y="0"/>
-          <a:chExt cx="0" cy="0"/>
-        </a:xfrm>
-      </p:grpSpPr>
-      <p:sp>
-        <p:nvSpPr>
-          <p:cNvPr id="2" name="内容占位符 1"/>
-          <p:cNvSpPr>
-            <a:spLocks noGrp="1"/>
-          </p:cNvSpPr>
-          <p:nvPr>
-            <p:ph sz="quarter" idx="13"/>
-          </p:nvPr>
-        </p:nvSpPr>
         <p:spPr>
           <a:xfrm>
             <a:off x="1054099" y="543636"/>
@@ -13599,7 +13410,7 @@
 </p:sld>
 </file>
 
-<file path=ppt/slides/slide13.xml><?xml version="1.0" encoding="utf-8"?>
+<file path=ppt/slides/slide12.xml><?xml version="1.0" encoding="utf-8"?>
 <p:sld xmlns:a="http://schemas.openxmlformats.org/drawingml/2006/main" xmlns:r="http://schemas.openxmlformats.org/officeDocument/2006/relationships" xmlns:p="http://schemas.openxmlformats.org/presentationml/2006/main">
   <p:cSld>
     <p:spTree>
@@ -14490,7 +14301,7 @@
 </p:sld>
 </file>
 
-<file path=ppt/slides/slide14.xml><?xml version="1.0" encoding="utf-8"?>
+<file path=ppt/slides/slide13.xml><?xml version="1.0" encoding="utf-8"?>
 <p:sld xmlns:a="http://schemas.openxmlformats.org/drawingml/2006/main" xmlns:r="http://schemas.openxmlformats.org/officeDocument/2006/relationships" xmlns:p="http://schemas.openxmlformats.org/presentationml/2006/main">
   <p:cSld>
     <p:spTree>
@@ -15351,7 +15162,7 @@
 </p:sld>
 </file>
 
-<file path=ppt/slides/slide15.xml><?xml version="1.0" encoding="utf-8"?>
+<file path=ppt/slides/slide14.xml><?xml version="1.0" encoding="utf-8"?>
 <p:sld xmlns:a="http://schemas.openxmlformats.org/drawingml/2006/main" xmlns:r="http://schemas.openxmlformats.org/officeDocument/2006/relationships" xmlns:p="http://schemas.openxmlformats.org/presentationml/2006/main">
   <p:cSld>
     <p:spTree>
@@ -15560,7 +15371,7 @@
 </p:sld>
 </file>
 
-<file path=ppt/slides/slide16.xml><?xml version="1.0" encoding="utf-8"?>
+<file path=ppt/slides/slide15.xml><?xml version="1.0" encoding="utf-8"?>
 <p:sld xmlns:a="http://schemas.openxmlformats.org/drawingml/2006/main" xmlns:r="http://schemas.openxmlformats.org/officeDocument/2006/relationships" xmlns:p="http://schemas.openxmlformats.org/presentationml/2006/main">
   <p:cSld>
     <p:spTree>
@@ -16251,7 +16062,7 @@
 </p:sld>
 </file>
 
-<file path=ppt/slides/slide17.xml><?xml version="1.0" encoding="utf-8"?>
+<file path=ppt/slides/slide16.xml><?xml version="1.0" encoding="utf-8"?>
 <p:sld xmlns:a="http://schemas.openxmlformats.org/drawingml/2006/main" xmlns:r="http://schemas.openxmlformats.org/officeDocument/2006/relationships" xmlns:p="http://schemas.openxmlformats.org/presentationml/2006/main">
   <p:cSld>
     <p:spTree>
@@ -16572,7 +16383,7 @@
 </p:sld>
 </file>
 
-<file path=ppt/slides/slide18.xml><?xml version="1.0" encoding="utf-8"?>
+<file path=ppt/slides/slide17.xml><?xml version="1.0" encoding="utf-8"?>
 <p:sld xmlns:a="http://schemas.openxmlformats.org/drawingml/2006/main" xmlns:r="http://schemas.openxmlformats.org/officeDocument/2006/relationships" xmlns:p="http://schemas.openxmlformats.org/presentationml/2006/main">
   <p:cSld>
     <p:spTree>
@@ -17384,6 +17195,199 @@
 </p:sld>
 </file>
 
+<file path=ppt/slides/slide18.xml><?xml version="1.0" encoding="utf-8"?>
+<p:sld xmlns:a="http://schemas.openxmlformats.org/drawingml/2006/main" xmlns:r="http://schemas.openxmlformats.org/officeDocument/2006/relationships" xmlns:p="http://schemas.openxmlformats.org/presentationml/2006/main">
+  <p:cSld>
+    <p:spTree>
+      <p:nvGrpSpPr>
+        <p:cNvPr id="1" name=""/>
+        <p:cNvGrpSpPr/>
+        <p:nvPr/>
+      </p:nvGrpSpPr>
+      <p:grpSpPr>
+        <a:xfrm>
+          <a:off x="0" y="0"/>
+          <a:ext cx="0" cy="0"/>
+          <a:chOff x="0" y="0"/>
+          <a:chExt cx="0" cy="0"/>
+        </a:xfrm>
+      </p:grpSpPr>
+      <p:sp>
+        <p:nvSpPr>
+          <p:cNvPr id="2" name="内容占位符 1"/>
+          <p:cNvSpPr>
+            <a:spLocks noGrp="1"/>
+          </p:cNvSpPr>
+          <p:nvPr>
+            <p:ph sz="quarter" idx="13"/>
+          </p:nvPr>
+        </p:nvSpPr>
+        <p:spPr>
+          <a:xfrm>
+            <a:off x="1054100" y="543636"/>
+            <a:ext cx="7304088" cy="685800"/>
+          </a:xfrm>
+        </p:spPr>
+        <p:txBody>
+          <a:bodyPr/>
+          <a:lstStyle/>
+          <a:p>
+            <a:r>
+              <a:rPr lang="zh-CN" altLang="en-US" b="0" dirty="0"/>
+              <a:t>第三讲</a:t>
+            </a:r>
+          </a:p>
+        </p:txBody>
+      </p:sp>
+      <p:sp>
+        <p:nvSpPr>
+          <p:cNvPr id="5" name="文本框 4">
+            <a:extLst>
+              <a:ext uri="{FF2B5EF4-FFF2-40B4-BE49-F238E27FC236}">
+                <a16:creationId xmlns:a16="http://schemas.microsoft.com/office/drawing/2014/main" id="{67A5BB2E-A8DB-4B22-89CA-3C2D56C43E92}"/>
+              </a:ext>
+            </a:extLst>
+          </p:cNvPr>
+          <p:cNvSpPr txBox="1"/>
+          <p:nvPr/>
+        </p:nvSpPr>
+        <p:spPr>
+          <a:xfrm>
+            <a:off x="4031226" y="2343152"/>
+            <a:ext cx="5412812" cy="2062103"/>
+          </a:xfrm>
+          <a:prstGeom prst="rect">
+            <a:avLst/>
+          </a:prstGeom>
+          <a:noFill/>
+        </p:spPr>
+        <p:txBody>
+          <a:bodyPr wrap="square" rtlCol="0">
+            <a:spAutoFit/>
+          </a:bodyPr>
+          <a:lstStyle/>
+          <a:p>
+            <a:pPr marL="514350" indent="-514350">
+              <a:lnSpc>
+                <a:spcPct val="200000"/>
+              </a:lnSpc>
+              <a:buFont typeface="+mj-ea"/>
+              <a:buAutoNum type="ea1JpnChsDbPeriod"/>
+            </a:pPr>
+            <a:r>
+              <a:rPr lang="en-US" altLang="zh-CN" sz="2000" dirty="0" err="1">
+                <a:solidFill>
+                  <a:schemeClr val="tx1">
+                    <a:lumMod val="65000"/>
+                    <a:lumOff val="35000"/>
+                  </a:schemeClr>
+                </a:solidFill>
+                <a:latin typeface="微软雅黑" panose="020B0503020204020204" pitchFamily="34" charset="-122"/>
+                <a:ea typeface="微软雅黑" panose="020B0503020204020204" pitchFamily="34" charset="-122"/>
+              </a:rPr>
+              <a:t>Oauth</a:t>
+            </a:r>
+            <a:r>
+              <a:rPr lang="zh-CN" altLang="en-US" sz="2000" dirty="0">
+                <a:solidFill>
+                  <a:schemeClr val="tx1">
+                    <a:lumMod val="65000"/>
+                    <a:lumOff val="35000"/>
+                  </a:schemeClr>
+                </a:solidFill>
+                <a:latin typeface="微软雅黑" panose="020B0503020204020204" pitchFamily="34" charset="-122"/>
+                <a:ea typeface="微软雅黑" panose="020B0503020204020204" pitchFamily="34" charset="-122"/>
+              </a:rPr>
+              <a:t>协议基础</a:t>
+            </a:r>
+            <a:endParaRPr lang="en-US" altLang="zh-CN" sz="2000" dirty="0">
+              <a:solidFill>
+                <a:schemeClr val="tx1">
+                  <a:lumMod val="65000"/>
+                  <a:lumOff val="35000"/>
+                </a:schemeClr>
+              </a:solidFill>
+              <a:latin typeface="微软雅黑" panose="020B0503020204020204" pitchFamily="34" charset="-122"/>
+              <a:ea typeface="微软雅黑" panose="020B0503020204020204" pitchFamily="34" charset="-122"/>
+            </a:endParaRPr>
+          </a:p>
+          <a:p>
+            <a:pPr marL="514350" indent="-514350">
+              <a:lnSpc>
+                <a:spcPct val="200000"/>
+              </a:lnSpc>
+              <a:buFont typeface="+mj-ea"/>
+              <a:buAutoNum type="ea1JpnChsDbPeriod"/>
+            </a:pPr>
+            <a:r>
+              <a:rPr lang="zh-CN" altLang="en-US" sz="2000" dirty="0">
+                <a:solidFill>
+                  <a:schemeClr val="tx1">
+                    <a:lumMod val="65000"/>
+                    <a:lumOff val="35000"/>
+                  </a:schemeClr>
+                </a:solidFill>
+                <a:latin typeface="微软雅黑" panose="020B0503020204020204" pitchFamily="34" charset="-122"/>
+                <a:ea typeface="微软雅黑" panose="020B0503020204020204" pitchFamily="34" charset="-122"/>
+              </a:rPr>
+              <a:t>微信网页授权</a:t>
+            </a:r>
+            <a:endParaRPr lang="en-US" altLang="zh-CN" sz="2000" dirty="0">
+              <a:solidFill>
+                <a:schemeClr val="tx1">
+                  <a:lumMod val="65000"/>
+                  <a:lumOff val="35000"/>
+                </a:schemeClr>
+              </a:solidFill>
+              <a:latin typeface="微软雅黑" panose="020B0503020204020204" pitchFamily="34" charset="-122"/>
+              <a:ea typeface="微软雅黑" panose="020B0503020204020204" pitchFamily="34" charset="-122"/>
+            </a:endParaRPr>
+          </a:p>
+          <a:p>
+            <a:pPr marL="514350" indent="-514350">
+              <a:lnSpc>
+                <a:spcPct val="200000"/>
+              </a:lnSpc>
+              <a:buFont typeface="+mj-ea"/>
+              <a:buAutoNum type="ea1JpnChsDbPeriod"/>
+            </a:pPr>
+            <a:r>
+              <a:rPr lang="zh-CN" altLang="en-US" sz="2400" dirty="0">
+                <a:solidFill>
+                  <a:schemeClr val="accent6">
+                    <a:lumMod val="75000"/>
+                  </a:schemeClr>
+                </a:solidFill>
+                <a:latin typeface="微软雅黑" panose="020B0503020204020204" pitchFamily="34" charset="-122"/>
+                <a:ea typeface="微软雅黑" panose="020B0503020204020204" pitchFamily="34" charset="-122"/>
+              </a:rPr>
+              <a:t>实现第三方登录</a:t>
+            </a:r>
+            <a:endParaRPr lang="en-US" altLang="zh-CN" sz="2400" dirty="0">
+              <a:solidFill>
+                <a:schemeClr val="accent6">
+                  <a:lumMod val="75000"/>
+                </a:schemeClr>
+              </a:solidFill>
+              <a:latin typeface="微软雅黑" panose="020B0503020204020204" pitchFamily="34" charset="-122"/>
+              <a:ea typeface="微软雅黑" panose="020B0503020204020204" pitchFamily="34" charset="-122"/>
+            </a:endParaRPr>
+          </a:p>
+        </p:txBody>
+      </p:sp>
+    </p:spTree>
+    <p:extLst>
+      <p:ext uri="{BB962C8B-B14F-4D97-AF65-F5344CB8AC3E}">
+        <p14:creationId xmlns:p14="http://schemas.microsoft.com/office/powerpoint/2010/main" val="1928010297"/>
+      </p:ext>
+    </p:extLst>
+  </p:cSld>
+  <p:clrMapOvr>
+    <a:masterClrMapping/>
+  </p:clrMapOvr>
+</p:sld>
+</file>
+
 <file path=ppt/slides/slide19.xml><?xml version="1.0" encoding="utf-8"?>
 <p:sld xmlns:a="http://schemas.openxmlformats.org/drawingml/2006/main" xmlns:r="http://schemas.openxmlformats.org/officeDocument/2006/relationships" xmlns:p="http://schemas.openxmlformats.org/presentationml/2006/main">
   <p:cSld>
@@ -17413,8 +17417,8 @@
         </p:nvSpPr>
         <p:spPr>
           <a:xfrm>
-            <a:off x="1054100" y="543636"/>
-            <a:ext cx="7304088" cy="685800"/>
+            <a:off x="1054099" y="543636"/>
+            <a:ext cx="6003925" cy="685800"/>
           </a:xfrm>
         </p:spPr>
         <p:txBody>
@@ -17423,17 +17427,17 @@
           <a:p>
             <a:r>
               <a:rPr lang="zh-CN" altLang="en-US" b="0" dirty="0"/>
-              <a:t>第三讲</a:t>
-            </a:r>
-          </a:p>
-        </p:txBody>
-      </p:sp>
-      <p:sp>
-        <p:nvSpPr>
-          <p:cNvPr id="5" name="文本框 4">
+              <a:t>如何实现第三方登录</a:t>
+            </a:r>
+          </a:p>
+        </p:txBody>
+      </p:sp>
+      <p:sp>
+        <p:nvSpPr>
+          <p:cNvPr id="4" name="文本框 3">
             <a:extLst>
               <a:ext uri="{FF2B5EF4-FFF2-40B4-BE49-F238E27FC236}">
-                <a16:creationId xmlns:a16="http://schemas.microsoft.com/office/drawing/2014/main" id="{67A5BB2E-A8DB-4B22-89CA-3C2D56C43E92}"/>
+                <a16:creationId xmlns:a16="http://schemas.microsoft.com/office/drawing/2014/main" id="{C50B9F92-0B6A-400F-8B36-8876B5615DFE}"/>
               </a:ext>
             </a:extLst>
           </p:cNvPr>
@@ -17442,8 +17446,8 @@
         </p:nvSpPr>
         <p:spPr>
           <a:xfrm>
-            <a:off x="4031226" y="2343152"/>
-            <a:ext cx="5412812" cy="2062103"/>
+            <a:off x="1179870" y="1789471"/>
+            <a:ext cx="10048569" cy="1938992"/>
           </a:xfrm>
           <a:prstGeom prst="rect">
             <a:avLst/>
@@ -17456,118 +17460,122 @@
           </a:bodyPr>
           <a:lstStyle/>
           <a:p>
-            <a:pPr marL="514350" indent="-514350">
+            <a:pPr marL="285750" indent="-285750">
               <a:lnSpc>
-                <a:spcPct val="200000"/>
+                <a:spcPct val="150000"/>
               </a:lnSpc>
-              <a:buFont typeface="+mj-ea"/>
-              <a:buAutoNum type="ea1JpnChsDbPeriod"/>
+              <a:buFont typeface="Arial" panose="020B0604020202020204" pitchFamily="34" charset="0"/>
+              <a:buChar char="•"/>
             </a:pPr>
             <a:r>
-              <a:rPr lang="en-US" altLang="zh-CN" sz="2000" dirty="0" err="1">
-                <a:solidFill>
-                  <a:schemeClr val="tx1">
-                    <a:lumMod val="65000"/>
-                    <a:lumOff val="35000"/>
-                  </a:schemeClr>
-                </a:solidFill>
-                <a:latin typeface="微软雅黑" panose="020B0503020204020204" pitchFamily="34" charset="-122"/>
-                <a:ea typeface="微软雅黑" panose="020B0503020204020204" pitchFamily="34" charset="-122"/>
-              </a:rPr>
+              <a:rPr lang="zh-CN" altLang="en-US" sz="2000" dirty="0"/>
+              <a:t>这里的实现方式采用</a:t>
+            </a:r>
+            <a:r>
+              <a:rPr lang="en-US" altLang="zh-CN" sz="2000" dirty="0" err="1"/>
+              <a:t>oauth_code.php</a:t>
+            </a:r>
+            <a:r>
+              <a:rPr lang="zh-CN" altLang="en-US" sz="2000" dirty="0"/>
+              <a:t>获取</a:t>
+            </a:r>
+            <a:r>
+              <a:rPr lang="en-US" altLang="zh-CN" sz="2000" dirty="0"/>
+              <a:t>code</a:t>
+            </a:r>
+            <a:r>
+              <a:rPr lang="zh-CN" altLang="en-US" sz="2000" dirty="0"/>
+              <a:t>授权码。</a:t>
+            </a:r>
+            <a:endParaRPr lang="en-US" altLang="zh-CN" sz="2000" dirty="0"/>
+          </a:p>
+          <a:p>
+            <a:pPr marL="285750" indent="-285750">
+              <a:lnSpc>
+                <a:spcPct val="150000"/>
+              </a:lnSpc>
+              <a:buFont typeface="Arial" panose="020B0604020202020204" pitchFamily="34" charset="0"/>
+              <a:buChar char="•"/>
+            </a:pPr>
+            <a:r>
+              <a:rPr lang="zh-CN" altLang="en-US" sz="2000" dirty="0"/>
+              <a:t>之后跳转到</a:t>
+            </a:r>
+            <a:r>
+              <a:rPr lang="en-US" altLang="zh-CN" sz="2000" dirty="0" err="1"/>
+              <a:t>oauth_return.php</a:t>
+            </a:r>
+            <a:r>
+              <a:rPr lang="zh-CN" altLang="en-US" sz="2000" dirty="0"/>
+              <a:t>根据</a:t>
+            </a:r>
+            <a:r>
+              <a:rPr lang="en-US" altLang="zh-CN" sz="2000" dirty="0"/>
+              <a:t>codes</a:t>
+            </a:r>
+            <a:r>
+              <a:rPr lang="zh-CN" altLang="en-US" sz="2000" dirty="0"/>
+              <a:t>授权码获取</a:t>
+            </a:r>
+            <a:r>
+              <a:rPr lang="en-US" altLang="zh-CN" sz="2000" dirty="0" err="1"/>
               <a:t>Oauth</a:t>
             </a:r>
             <a:r>
-              <a:rPr lang="zh-CN" altLang="en-US" sz="2000" dirty="0">
-                <a:solidFill>
-                  <a:schemeClr val="tx1">
-                    <a:lumMod val="65000"/>
-                    <a:lumOff val="35000"/>
-                  </a:schemeClr>
-                </a:solidFill>
-                <a:latin typeface="微软雅黑" panose="020B0503020204020204" pitchFamily="34" charset="-122"/>
-                <a:ea typeface="微软雅黑" panose="020B0503020204020204" pitchFamily="34" charset="-122"/>
-              </a:rPr>
-              <a:t>协议基础</a:t>
-            </a:r>
-            <a:endParaRPr lang="en-US" altLang="zh-CN" sz="2000" dirty="0">
-              <a:solidFill>
-                <a:schemeClr val="tx1">
-                  <a:lumMod val="65000"/>
-                  <a:lumOff val="35000"/>
-                </a:schemeClr>
-              </a:solidFill>
-              <a:latin typeface="微软雅黑" panose="020B0503020204020204" pitchFamily="34" charset="-122"/>
-              <a:ea typeface="微软雅黑" panose="020B0503020204020204" pitchFamily="34" charset="-122"/>
-            </a:endParaRPr>
-          </a:p>
-          <a:p>
-            <a:pPr marL="514350" indent="-514350">
+              <a:rPr lang="zh-CN" altLang="en-US" sz="2000" dirty="0"/>
+              <a:t>授权的</a:t>
+            </a:r>
+            <a:r>
+              <a:rPr lang="en-US" altLang="zh-CN" sz="2000" dirty="0" err="1"/>
+              <a:t>access_token</a:t>
+            </a:r>
+            <a:r>
+              <a:rPr lang="zh-CN" altLang="en-US" sz="2000" dirty="0"/>
+              <a:t>。</a:t>
+            </a:r>
+            <a:endParaRPr lang="en-US" altLang="zh-CN" sz="2000" dirty="0"/>
+          </a:p>
+          <a:p>
+            <a:pPr marL="285750" indent="-285750">
               <a:lnSpc>
-                <a:spcPct val="200000"/>
+                <a:spcPct val="150000"/>
               </a:lnSpc>
-              <a:buFont typeface="+mj-ea"/>
-              <a:buAutoNum type="ea1JpnChsDbPeriod"/>
+              <a:buFont typeface="Arial" panose="020B0604020202020204" pitchFamily="34" charset="0"/>
+              <a:buChar char="•"/>
             </a:pPr>
             <a:r>
-              <a:rPr lang="zh-CN" altLang="en-US" sz="2000" dirty="0">
-                <a:solidFill>
-                  <a:schemeClr val="tx1">
-                    <a:lumMod val="65000"/>
-                    <a:lumOff val="35000"/>
-                  </a:schemeClr>
-                </a:solidFill>
-                <a:latin typeface="微软雅黑" panose="020B0503020204020204" pitchFamily="34" charset="-122"/>
-                <a:ea typeface="微软雅黑" panose="020B0503020204020204" pitchFamily="34" charset="-122"/>
-              </a:rPr>
-              <a:t>微信网页授权</a:t>
-            </a:r>
-            <a:endParaRPr lang="en-US" altLang="zh-CN" sz="2000" dirty="0">
-              <a:solidFill>
-                <a:schemeClr val="tx1">
-                  <a:lumMod val="65000"/>
-                  <a:lumOff val="35000"/>
-                </a:schemeClr>
-              </a:solidFill>
-              <a:latin typeface="微软雅黑" panose="020B0503020204020204" pitchFamily="34" charset="-122"/>
-              <a:ea typeface="微软雅黑" panose="020B0503020204020204" pitchFamily="34" charset="-122"/>
-            </a:endParaRPr>
-          </a:p>
-          <a:p>
-            <a:pPr marL="514350" indent="-514350">
+              <a:rPr lang="zh-CN" altLang="en-US" sz="2000" dirty="0"/>
+              <a:t>然后按照接口要求构造</a:t>
+            </a:r>
+            <a:r>
+              <a:rPr lang="en-US" altLang="zh-CN" sz="2000" dirty="0" err="1"/>
+              <a:t>api</a:t>
+            </a:r>
+            <a:r>
+              <a:rPr lang="zh-CN" altLang="en-US" sz="2000" dirty="0"/>
+              <a:t>参数调用授权接口获取用户信息。</a:t>
+            </a:r>
+            <a:endParaRPr lang="en-US" altLang="zh-CN" sz="2000" dirty="0"/>
+          </a:p>
+          <a:p>
+            <a:pPr marL="285750" indent="-285750">
               <a:lnSpc>
-                <a:spcPct val="200000"/>
+                <a:spcPct val="150000"/>
               </a:lnSpc>
-              <a:buFont typeface="+mj-ea"/>
-              <a:buAutoNum type="ea1JpnChsDbPeriod"/>
+              <a:buFont typeface="Arial" panose="020B0604020202020204" pitchFamily="34" charset="0"/>
+              <a:buChar char="•"/>
             </a:pPr>
             <a:r>
-              <a:rPr lang="zh-CN" altLang="en-US" sz="2400" dirty="0">
-                <a:solidFill>
-                  <a:schemeClr val="accent6">
-                    <a:lumMod val="75000"/>
-                  </a:schemeClr>
-                </a:solidFill>
-                <a:latin typeface="微软雅黑" panose="020B0503020204020204" pitchFamily="34" charset="-122"/>
-                <a:ea typeface="微软雅黑" panose="020B0503020204020204" pitchFamily="34" charset="-122"/>
-              </a:rPr>
-              <a:t>实现第三方登录</a:t>
-            </a:r>
-            <a:endParaRPr lang="en-US" altLang="zh-CN" sz="2400" dirty="0">
-              <a:solidFill>
-                <a:schemeClr val="accent6">
-                  <a:lumMod val="75000"/>
-                </a:schemeClr>
-              </a:solidFill>
-              <a:latin typeface="微软雅黑" panose="020B0503020204020204" pitchFamily="34" charset="-122"/>
-              <a:ea typeface="微软雅黑" panose="020B0503020204020204" pitchFamily="34" charset="-122"/>
-            </a:endParaRPr>
+              <a:rPr lang="zh-CN" altLang="en-US" sz="2000" dirty="0"/>
+              <a:t>使用数据库记录用户信息，检查是有已经记录过，如果没有记录则创建一条数据记录。</a:t>
+            </a:r>
           </a:p>
         </p:txBody>
       </p:sp>
     </p:spTree>
     <p:extLst>
       <p:ext uri="{BB962C8B-B14F-4D97-AF65-F5344CB8AC3E}">
-        <p14:creationId xmlns:p14="http://schemas.microsoft.com/office/powerpoint/2010/main" val="1928010297"/>
+        <p14:creationId xmlns:p14="http://schemas.microsoft.com/office/powerpoint/2010/main" val="2512324710"/>
       </p:ext>
     </p:extLst>
   </p:cSld>
@@ -17762,203 +17770,6 @@
 </file>
 
 <file path=ppt/slides/slide20.xml><?xml version="1.0" encoding="utf-8"?>
-<p:sld xmlns:a="http://schemas.openxmlformats.org/drawingml/2006/main" xmlns:r="http://schemas.openxmlformats.org/officeDocument/2006/relationships" xmlns:p="http://schemas.openxmlformats.org/presentationml/2006/main">
-  <p:cSld>
-    <p:spTree>
-      <p:nvGrpSpPr>
-        <p:cNvPr id="1" name=""/>
-        <p:cNvGrpSpPr/>
-        <p:nvPr/>
-      </p:nvGrpSpPr>
-      <p:grpSpPr>
-        <a:xfrm>
-          <a:off x="0" y="0"/>
-          <a:ext cx="0" cy="0"/>
-          <a:chOff x="0" y="0"/>
-          <a:chExt cx="0" cy="0"/>
-        </a:xfrm>
-      </p:grpSpPr>
-      <p:sp>
-        <p:nvSpPr>
-          <p:cNvPr id="2" name="内容占位符 1"/>
-          <p:cNvSpPr>
-            <a:spLocks noGrp="1"/>
-          </p:cNvSpPr>
-          <p:nvPr>
-            <p:ph sz="quarter" idx="13"/>
-          </p:nvPr>
-        </p:nvSpPr>
-        <p:spPr>
-          <a:xfrm>
-            <a:off x="1054099" y="543636"/>
-            <a:ext cx="6003925" cy="685800"/>
-          </a:xfrm>
-        </p:spPr>
-        <p:txBody>
-          <a:bodyPr/>
-          <a:lstStyle/>
-          <a:p>
-            <a:r>
-              <a:rPr lang="zh-CN" altLang="en-US" b="0" dirty="0"/>
-              <a:t>如何实现第三方登录</a:t>
-            </a:r>
-          </a:p>
-        </p:txBody>
-      </p:sp>
-      <p:sp>
-        <p:nvSpPr>
-          <p:cNvPr id="4" name="文本框 3">
-            <a:extLst>
-              <a:ext uri="{FF2B5EF4-FFF2-40B4-BE49-F238E27FC236}">
-                <a16:creationId xmlns:a16="http://schemas.microsoft.com/office/drawing/2014/main" id="{C50B9F92-0B6A-400F-8B36-8876B5615DFE}"/>
-              </a:ext>
-            </a:extLst>
-          </p:cNvPr>
-          <p:cNvSpPr txBox="1"/>
-          <p:nvPr/>
-        </p:nvSpPr>
-        <p:spPr>
-          <a:xfrm>
-            <a:off x="1179870" y="1789471"/>
-            <a:ext cx="10048569" cy="1938992"/>
-          </a:xfrm>
-          <a:prstGeom prst="rect">
-            <a:avLst/>
-          </a:prstGeom>
-          <a:noFill/>
-        </p:spPr>
-        <p:txBody>
-          <a:bodyPr wrap="square" rtlCol="0">
-            <a:spAutoFit/>
-          </a:bodyPr>
-          <a:lstStyle/>
-          <a:p>
-            <a:pPr marL="285750" indent="-285750">
-              <a:lnSpc>
-                <a:spcPct val="150000"/>
-              </a:lnSpc>
-              <a:buFont typeface="Arial" panose="020B0604020202020204" pitchFamily="34" charset="0"/>
-              <a:buChar char="•"/>
-            </a:pPr>
-            <a:r>
-              <a:rPr lang="zh-CN" altLang="en-US" sz="2000" dirty="0"/>
-              <a:t>这里的实现方式采用</a:t>
-            </a:r>
-            <a:r>
-              <a:rPr lang="en-US" altLang="zh-CN" sz="2000" dirty="0" err="1"/>
-              <a:t>oauth_code.php</a:t>
-            </a:r>
-            <a:r>
-              <a:rPr lang="zh-CN" altLang="en-US" sz="2000" dirty="0"/>
-              <a:t>获取</a:t>
-            </a:r>
-            <a:r>
-              <a:rPr lang="en-US" altLang="zh-CN" sz="2000" dirty="0"/>
-              <a:t>code</a:t>
-            </a:r>
-            <a:r>
-              <a:rPr lang="zh-CN" altLang="en-US" sz="2000" dirty="0"/>
-              <a:t>授权码。</a:t>
-            </a:r>
-            <a:endParaRPr lang="en-US" altLang="zh-CN" sz="2000" dirty="0"/>
-          </a:p>
-          <a:p>
-            <a:pPr marL="285750" indent="-285750">
-              <a:lnSpc>
-                <a:spcPct val="150000"/>
-              </a:lnSpc>
-              <a:buFont typeface="Arial" panose="020B0604020202020204" pitchFamily="34" charset="0"/>
-              <a:buChar char="•"/>
-            </a:pPr>
-            <a:r>
-              <a:rPr lang="zh-CN" altLang="en-US" sz="2000" dirty="0"/>
-              <a:t>之后跳转到</a:t>
-            </a:r>
-            <a:r>
-              <a:rPr lang="en-US" altLang="zh-CN" sz="2000" dirty="0" err="1"/>
-              <a:t>oauth_return.php</a:t>
-            </a:r>
-            <a:r>
-              <a:rPr lang="zh-CN" altLang="en-US" sz="2000" dirty="0"/>
-              <a:t>根据</a:t>
-            </a:r>
-            <a:r>
-              <a:rPr lang="en-US" altLang="zh-CN" sz="2000" dirty="0"/>
-              <a:t>codes</a:t>
-            </a:r>
-            <a:r>
-              <a:rPr lang="zh-CN" altLang="en-US" sz="2000" dirty="0"/>
-              <a:t>授权码获取</a:t>
-            </a:r>
-            <a:r>
-              <a:rPr lang="en-US" altLang="zh-CN" sz="2000" dirty="0" err="1"/>
-              <a:t>Oauth</a:t>
-            </a:r>
-            <a:r>
-              <a:rPr lang="zh-CN" altLang="en-US" sz="2000" dirty="0"/>
-              <a:t>授权的</a:t>
-            </a:r>
-            <a:r>
-              <a:rPr lang="en-US" altLang="zh-CN" sz="2000" dirty="0" err="1"/>
-              <a:t>access_token</a:t>
-            </a:r>
-            <a:r>
-              <a:rPr lang="zh-CN" altLang="en-US" sz="2000" dirty="0"/>
-              <a:t>。</a:t>
-            </a:r>
-            <a:endParaRPr lang="en-US" altLang="zh-CN" sz="2000" dirty="0"/>
-          </a:p>
-          <a:p>
-            <a:pPr marL="285750" indent="-285750">
-              <a:lnSpc>
-                <a:spcPct val="150000"/>
-              </a:lnSpc>
-              <a:buFont typeface="Arial" panose="020B0604020202020204" pitchFamily="34" charset="0"/>
-              <a:buChar char="•"/>
-            </a:pPr>
-            <a:r>
-              <a:rPr lang="zh-CN" altLang="en-US" sz="2000" dirty="0"/>
-              <a:t>然后按照接口要求构造</a:t>
-            </a:r>
-            <a:r>
-              <a:rPr lang="en-US" altLang="zh-CN" sz="2000" dirty="0" err="1"/>
-              <a:t>api</a:t>
-            </a:r>
-            <a:r>
-              <a:rPr lang="zh-CN" altLang="en-US" sz="2000" dirty="0"/>
-              <a:t>参数调用授权接口获取用户信息。</a:t>
-            </a:r>
-            <a:endParaRPr lang="en-US" altLang="zh-CN" sz="2000" dirty="0"/>
-          </a:p>
-          <a:p>
-            <a:pPr marL="285750" indent="-285750">
-              <a:lnSpc>
-                <a:spcPct val="150000"/>
-              </a:lnSpc>
-              <a:buFont typeface="Arial" panose="020B0604020202020204" pitchFamily="34" charset="0"/>
-              <a:buChar char="•"/>
-            </a:pPr>
-            <a:r>
-              <a:rPr lang="zh-CN" altLang="en-US" sz="2000" dirty="0"/>
-              <a:t>使用数据库记录用户信息，检查是有已经记录过，如果没有记录则创建一条数据记录。</a:t>
-            </a:r>
-          </a:p>
-        </p:txBody>
-      </p:sp>
-    </p:spTree>
-    <p:extLst>
-      <p:ext uri="{BB962C8B-B14F-4D97-AF65-F5344CB8AC3E}">
-        <p14:creationId xmlns:p14="http://schemas.microsoft.com/office/powerpoint/2010/main" val="2512324710"/>
-      </p:ext>
-    </p:extLst>
-  </p:cSld>
-  <p:clrMapOvr>
-    <a:masterClrMapping/>
-  </p:clrMapOvr>
-</p:sld>
-</file>
-
-<file path=ppt/slides/slide21.xml><?xml version="1.0" encoding="utf-8"?>
 <p:sld xmlns:a="http://schemas.openxmlformats.org/drawingml/2006/main" xmlns:r="http://schemas.openxmlformats.org/officeDocument/2006/relationships" xmlns:p="http://schemas.openxmlformats.org/presentationml/2006/main">
   <p:cSld>
     <p:spTree>
@@ -18686,24 +18497,29 @@
             <p:ph sz="quarter" idx="13"/>
           </p:nvPr>
         </p:nvSpPr>
-        <p:spPr/>
+        <p:spPr>
+          <a:xfrm>
+            <a:off x="1054099" y="543636"/>
+            <a:ext cx="6418263" cy="685800"/>
+          </a:xfrm>
+        </p:spPr>
         <p:txBody>
           <a:bodyPr/>
           <a:lstStyle/>
           <a:p>
             <a:r>
               <a:rPr lang="zh-CN" altLang="en-US" b="0" dirty="0"/>
-              <a:t>课程概要</a:t>
-            </a:r>
-          </a:p>
-        </p:txBody>
-      </p:sp>
-      <p:sp>
-        <p:nvSpPr>
-          <p:cNvPr id="3" name="文本框 2">
+              <a:t>第一节</a:t>
+            </a:r>
+          </a:p>
+        </p:txBody>
+      </p:sp>
+      <p:sp>
+        <p:nvSpPr>
+          <p:cNvPr id="4" name="文本框 3">
             <a:extLst>
               <a:ext uri="{FF2B5EF4-FFF2-40B4-BE49-F238E27FC236}">
-                <a16:creationId xmlns:a16="http://schemas.microsoft.com/office/drawing/2014/main" id="{99E0C404-8513-450C-9319-95AB092B094F}"/>
+                <a16:creationId xmlns:a16="http://schemas.microsoft.com/office/drawing/2014/main" id="{C10AB92C-E9DB-4A3A-ABF6-8BA2C95C6FD6}"/>
               </a:ext>
             </a:extLst>
           </p:cNvPr>
@@ -18712,8 +18528,8 @@
         </p:nvSpPr>
         <p:spPr>
           <a:xfrm>
-            <a:off x="1238865" y="1858297"/>
-            <a:ext cx="9861754" cy="1015663"/>
+            <a:off x="4031226" y="2343152"/>
+            <a:ext cx="5412812" cy="2051867"/>
           </a:xfrm>
           <a:prstGeom prst="rect">
             <a:avLst/>
@@ -18726,82 +18542,117 @@
           </a:bodyPr>
           <a:lstStyle/>
           <a:p>
-            <a:pPr marL="285750" indent="-285750">
+            <a:pPr marL="514350" indent="-514350">
               <a:lnSpc>
-                <a:spcPct val="150000"/>
+                <a:spcPct val="200000"/>
               </a:lnSpc>
-              <a:buFont typeface="Arial" panose="020B0604020202020204" pitchFamily="34" charset="0"/>
-              <a:buChar char="•"/>
+              <a:buFont typeface="+mj-ea"/>
+              <a:buAutoNum type="ea1JpnChsDbPeriod"/>
             </a:pPr>
             <a:r>
-              <a:rPr lang="en-US" altLang="zh-CN" sz="2000" dirty="0" err="1">
+              <a:rPr lang="en-US" altLang="zh-CN" sz="2400" dirty="0" err="1">
+                <a:solidFill>
+                  <a:schemeClr val="accent6">
+                    <a:lumMod val="75000"/>
+                  </a:schemeClr>
+                </a:solidFill>
                 <a:latin typeface="微软雅黑" panose="020B0503020204020204" pitchFamily="34" charset="-122"/>
                 <a:ea typeface="微软雅黑" panose="020B0503020204020204" pitchFamily="34" charset="-122"/>
               </a:rPr>
               <a:t>Oauth</a:t>
             </a:r>
             <a:r>
-              <a:rPr lang="zh-CN" altLang="en-US" sz="2000" dirty="0">
+              <a:rPr lang="zh-CN" altLang="en-US" sz="2400" dirty="0">
+                <a:solidFill>
+                  <a:schemeClr val="accent6">
+                    <a:lumMod val="75000"/>
+                  </a:schemeClr>
+                </a:solidFill>
                 <a:latin typeface="微软雅黑" panose="020B0503020204020204" pitchFamily="34" charset="-122"/>
                 <a:ea typeface="微软雅黑" panose="020B0503020204020204" pitchFamily="34" charset="-122"/>
               </a:rPr>
-              <a:t>入门，简单了解</a:t>
-            </a:r>
-            <a:r>
-              <a:rPr lang="en-US" altLang="zh-CN" sz="2000" dirty="0" err="1">
+              <a:t>协议基础</a:t>
+            </a:r>
+            <a:endParaRPr lang="en-US" altLang="zh-CN" sz="2400" dirty="0">
+              <a:solidFill>
+                <a:schemeClr val="accent6">
+                  <a:lumMod val="75000"/>
+                </a:schemeClr>
+              </a:solidFill>
+              <a:latin typeface="微软雅黑" panose="020B0503020204020204" pitchFamily="34" charset="-122"/>
+              <a:ea typeface="微软雅黑" panose="020B0503020204020204" pitchFamily="34" charset="-122"/>
+            </a:endParaRPr>
+          </a:p>
+          <a:p>
+            <a:pPr marL="514350" indent="-514350">
+              <a:lnSpc>
+                <a:spcPct val="200000"/>
+              </a:lnSpc>
+              <a:buFont typeface="+mj-ea"/>
+              <a:buAutoNum type="ea1JpnChsDbPeriod"/>
+            </a:pPr>
+            <a:r>
+              <a:rPr lang="zh-CN" altLang="en-US" sz="2000" dirty="0">
+                <a:solidFill>
+                  <a:schemeClr val="tx1">
+                    <a:lumMod val="65000"/>
+                    <a:lumOff val="35000"/>
+                  </a:schemeClr>
+                </a:solidFill>
                 <a:latin typeface="微软雅黑" panose="020B0503020204020204" pitchFamily="34" charset="-122"/>
                 <a:ea typeface="微软雅黑" panose="020B0503020204020204" pitchFamily="34" charset="-122"/>
               </a:rPr>
-              <a:t>Oauth</a:t>
-            </a:r>
+              <a:t>微信网页授权</a:t>
+            </a:r>
+            <a:endParaRPr lang="en-US" altLang="zh-CN" sz="2000" dirty="0">
+              <a:solidFill>
+                <a:schemeClr val="tx1">
+                  <a:lumMod val="65000"/>
+                  <a:lumOff val="35000"/>
+                </a:schemeClr>
+              </a:solidFill>
+              <a:latin typeface="微软雅黑" panose="020B0503020204020204" pitchFamily="34" charset="-122"/>
+              <a:ea typeface="微软雅黑" panose="020B0503020204020204" pitchFamily="34" charset="-122"/>
+            </a:endParaRPr>
+          </a:p>
+          <a:p>
+            <a:pPr marL="514350" indent="-514350">
+              <a:lnSpc>
+                <a:spcPct val="200000"/>
+              </a:lnSpc>
+              <a:buFont typeface="+mj-ea"/>
+              <a:buAutoNum type="ea1JpnChsDbPeriod"/>
+            </a:pPr>
             <a:r>
               <a:rPr lang="zh-CN" altLang="en-US" sz="2000" dirty="0">
+                <a:solidFill>
+                  <a:schemeClr val="tx1">
+                    <a:lumMod val="65000"/>
+                    <a:lumOff val="35000"/>
+                  </a:schemeClr>
+                </a:solidFill>
                 <a:latin typeface="微软雅黑" panose="020B0503020204020204" pitchFamily="34" charset="-122"/>
                 <a:ea typeface="微软雅黑" panose="020B0503020204020204" pitchFamily="34" charset="-122"/>
               </a:rPr>
-              <a:t>。</a:t>
+              <a:t>实现第三方登录</a:t>
             </a:r>
             <a:endParaRPr lang="en-US" altLang="zh-CN" sz="2000" dirty="0">
+              <a:solidFill>
+                <a:schemeClr val="tx1">
+                  <a:lumMod val="65000"/>
+                  <a:lumOff val="35000"/>
+                </a:schemeClr>
+              </a:solidFill>
               <a:latin typeface="微软雅黑" panose="020B0503020204020204" pitchFamily="34" charset="-122"/>
               <a:ea typeface="微软雅黑" panose="020B0503020204020204" pitchFamily="34" charset="-122"/>
             </a:endParaRPr>
           </a:p>
-          <a:p>
-            <a:pPr marL="285750" indent="-285750">
-              <a:lnSpc>
-                <a:spcPct val="150000"/>
-              </a:lnSpc>
-              <a:buFont typeface="Arial" panose="020B0604020202020204" pitchFamily="34" charset="0"/>
-              <a:buChar char="•"/>
-            </a:pPr>
-            <a:r>
-              <a:rPr lang="zh-CN" altLang="en-US" sz="2000" dirty="0">
-                <a:latin typeface="微软雅黑" panose="020B0503020204020204" pitchFamily="34" charset="-122"/>
-                <a:ea typeface="微软雅黑" panose="020B0503020204020204" pitchFamily="34" charset="-122"/>
-              </a:rPr>
-              <a:t>微信网页授权是</a:t>
-            </a:r>
-            <a:r>
-              <a:rPr lang="en-US" altLang="zh-CN" sz="2000" dirty="0">
-                <a:latin typeface="微软雅黑" panose="020B0503020204020204" pitchFamily="34" charset="-122"/>
-                <a:ea typeface="微软雅黑" panose="020B0503020204020204" pitchFamily="34" charset="-122"/>
-              </a:rPr>
-              <a:t>Oauth2.0</a:t>
-            </a:r>
-            <a:r>
-              <a:rPr lang="zh-CN" altLang="en-US" sz="2000" dirty="0">
-                <a:latin typeface="微软雅黑" panose="020B0503020204020204" pitchFamily="34" charset="-122"/>
-                <a:ea typeface="微软雅黑" panose="020B0503020204020204" pitchFamily="34" charset="-122"/>
-              </a:rPr>
-              <a:t>协议的具体实现，实现微信网页授权获取用户基本信息。</a:t>
-            </a:r>
-          </a:p>
         </p:txBody>
       </p:sp>
     </p:spTree>
     <p:extLst>
       <p:ext uri="{BB962C8B-B14F-4D97-AF65-F5344CB8AC3E}">
-        <p14:creationId xmlns:p14="http://schemas.microsoft.com/office/powerpoint/2010/main" val="947354603"/>
+        <p14:creationId xmlns:p14="http://schemas.microsoft.com/office/powerpoint/2010/main" val="2268354123"/>
       </p:ext>
     </p:extLst>
   </p:cSld>
@@ -18838,162 +18689,129 @@
             <p:ph sz="quarter" idx="13"/>
           </p:nvPr>
         </p:nvSpPr>
-        <p:spPr>
-          <a:xfrm>
-            <a:off x="1054099" y="543636"/>
-            <a:ext cx="6418263" cy="685800"/>
-          </a:xfrm>
-        </p:spPr>
+        <p:spPr/>
         <p:txBody>
           <a:bodyPr/>
           <a:lstStyle/>
           <a:p>
             <a:r>
               <a:rPr lang="zh-CN" altLang="en-US" b="0" dirty="0"/>
-              <a:t>第一节</a:t>
-            </a:r>
-          </a:p>
-        </p:txBody>
-      </p:sp>
-      <p:sp>
-        <p:nvSpPr>
-          <p:cNvPr id="4" name="文本框 3">
+              <a:t>什么是</a:t>
+            </a:r>
+            <a:r>
+              <a:rPr lang="en-US" altLang="zh-CN" b="0" dirty="0" err="1"/>
+              <a:t>Oauth</a:t>
+            </a:r>
+            <a:r>
+              <a:rPr lang="zh-CN" altLang="en-US" b="0" dirty="0"/>
+              <a:t>协议</a:t>
+            </a:r>
+          </a:p>
+        </p:txBody>
+      </p:sp>
+      <p:sp>
+        <p:nvSpPr>
+          <p:cNvPr id="3" name="矩形 2">
             <a:extLst>
               <a:ext uri="{FF2B5EF4-FFF2-40B4-BE49-F238E27FC236}">
-                <a16:creationId xmlns:a16="http://schemas.microsoft.com/office/drawing/2014/main" id="{C10AB92C-E9DB-4A3A-ABF6-8BA2C95C6FD6}"/>
+                <a16:creationId xmlns:a16="http://schemas.microsoft.com/office/drawing/2014/main" id="{CB4C7B03-B8C9-4B0F-9AFF-DF6BEBAB55B5}"/>
               </a:ext>
             </a:extLst>
           </p:cNvPr>
-          <p:cNvSpPr txBox="1"/>
+          <p:cNvSpPr/>
           <p:nvPr/>
         </p:nvSpPr>
         <p:spPr>
           <a:xfrm>
-            <a:off x="4031226" y="2343152"/>
-            <a:ext cx="5412812" cy="2051867"/>
+            <a:off x="1054099" y="1629300"/>
+            <a:ext cx="9908869" cy="1338828"/>
           </a:xfrm>
           <a:prstGeom prst="rect">
             <a:avLst/>
           </a:prstGeom>
-          <a:noFill/>
         </p:spPr>
         <p:txBody>
-          <a:bodyPr wrap="square" rtlCol="0">
+          <a:bodyPr wrap="square">
             <a:spAutoFit/>
           </a:bodyPr>
           <a:lstStyle/>
           <a:p>
-            <a:pPr marL="514350" indent="-514350">
+            <a:pPr marL="285750" indent="-285750">
               <a:lnSpc>
-                <a:spcPct val="200000"/>
+                <a:spcPct val="150000"/>
               </a:lnSpc>
-              <a:buFont typeface="+mj-ea"/>
-              <a:buAutoNum type="ea1JpnChsDbPeriod"/>
+              <a:buFont typeface="Arial" panose="020B0604020202020204" pitchFamily="34" charset="0"/>
+              <a:buChar char="•"/>
             </a:pPr>
             <a:r>
-              <a:rPr lang="en-US" altLang="zh-CN" sz="2400" dirty="0" err="1">
-                <a:solidFill>
-                  <a:schemeClr val="accent6">
-                    <a:lumMod val="75000"/>
-                  </a:schemeClr>
-                </a:solidFill>
+              <a:rPr lang="en-US" altLang="zh-CN" dirty="0">
                 <a:latin typeface="微软雅黑" panose="020B0503020204020204" pitchFamily="34" charset="-122"/>
                 <a:ea typeface="微软雅黑" panose="020B0503020204020204" pitchFamily="34" charset="-122"/>
               </a:rPr>
-              <a:t>Oauth</a:t>
-            </a:r>
-            <a:r>
-              <a:rPr lang="zh-CN" altLang="en-US" sz="2400" dirty="0">
-                <a:solidFill>
-                  <a:schemeClr val="accent6">
-                    <a:lumMod val="75000"/>
-                  </a:schemeClr>
-                </a:solidFill>
+              <a:t>OAuth</a:t>
+            </a:r>
+            <a:r>
+              <a:rPr lang="zh-CN" altLang="en-US" dirty="0">
                 <a:latin typeface="微软雅黑" panose="020B0503020204020204" pitchFamily="34" charset="-122"/>
                 <a:ea typeface="微软雅黑" panose="020B0503020204020204" pitchFamily="34" charset="-122"/>
               </a:rPr>
-              <a:t>协议基础</a:t>
-            </a:r>
-            <a:endParaRPr lang="en-US" altLang="zh-CN" sz="2400" dirty="0">
-              <a:solidFill>
-                <a:schemeClr val="accent6">
-                  <a:lumMod val="75000"/>
-                </a:schemeClr>
-              </a:solidFill>
+              <a:t>（</a:t>
+            </a:r>
+            <a:r>
+              <a:rPr lang="en-US" altLang="zh-CN" dirty="0">
+                <a:latin typeface="微软雅黑" panose="020B0503020204020204" pitchFamily="34" charset="-122"/>
+                <a:ea typeface="微软雅黑" panose="020B0503020204020204" pitchFamily="34" charset="-122"/>
+              </a:rPr>
+              <a:t>Open Authorization</a:t>
+            </a:r>
+            <a:r>
+              <a:rPr lang="zh-CN" altLang="en-US" dirty="0">
+                <a:latin typeface="微软雅黑" panose="020B0503020204020204" pitchFamily="34" charset="-122"/>
+                <a:ea typeface="微软雅黑" panose="020B0503020204020204" pitchFamily="34" charset="-122"/>
+              </a:rPr>
+              <a:t>，开放授权）是为用户资源的授权定义了一个安全、开放及简单的标准，第三方无需知道用户的账号及密码，就可获取到用户的授权信息，并且这是安全的。</a:t>
+            </a:r>
+            <a:endParaRPr lang="en-US" altLang="zh-CN" dirty="0">
               <a:latin typeface="微软雅黑" panose="020B0503020204020204" pitchFamily="34" charset="-122"/>
               <a:ea typeface="微软雅黑" panose="020B0503020204020204" pitchFamily="34" charset="-122"/>
             </a:endParaRPr>
           </a:p>
           <a:p>
-            <a:pPr marL="514350" indent="-514350">
+            <a:pPr marL="285750" indent="-285750">
               <a:lnSpc>
-                <a:spcPct val="200000"/>
+                <a:spcPct val="150000"/>
               </a:lnSpc>
-              <a:buFont typeface="+mj-ea"/>
-              <a:buAutoNum type="ea1JpnChsDbPeriod"/>
+              <a:buFont typeface="Arial" panose="020B0604020202020204" pitchFamily="34" charset="0"/>
+              <a:buChar char="•"/>
             </a:pPr>
             <a:r>
-              <a:rPr lang="zh-CN" altLang="en-US" sz="2000" dirty="0">
-                <a:solidFill>
-                  <a:schemeClr val="tx1">
-                    <a:lumMod val="65000"/>
-                    <a:lumOff val="35000"/>
-                  </a:schemeClr>
-                </a:solidFill>
+              <a:rPr lang="zh-CN" altLang="en-US" dirty="0">
                 <a:latin typeface="微软雅黑" panose="020B0503020204020204" pitchFamily="34" charset="-122"/>
                 <a:ea typeface="微软雅黑" panose="020B0503020204020204" pitchFamily="34" charset="-122"/>
               </a:rPr>
-              <a:t>微信网页授权</a:t>
-            </a:r>
-            <a:endParaRPr lang="en-US" altLang="zh-CN" sz="2000" dirty="0">
-              <a:solidFill>
-                <a:schemeClr val="tx1">
-                  <a:lumMod val="65000"/>
-                  <a:lumOff val="35000"/>
-                </a:schemeClr>
-              </a:solidFill>
-              <a:latin typeface="微软雅黑" panose="020B0503020204020204" pitchFamily="34" charset="-122"/>
-              <a:ea typeface="微软雅黑" panose="020B0503020204020204" pitchFamily="34" charset="-122"/>
-            </a:endParaRPr>
-          </a:p>
-          <a:p>
-            <a:pPr marL="514350" indent="-514350">
-              <a:lnSpc>
-                <a:spcPct val="200000"/>
-              </a:lnSpc>
-              <a:buFont typeface="+mj-ea"/>
-              <a:buAutoNum type="ea1JpnChsDbPeriod"/>
-            </a:pPr>
-            <a:r>
-              <a:rPr lang="zh-CN" altLang="en-US" sz="2000" dirty="0">
-                <a:solidFill>
-                  <a:schemeClr val="tx1">
-                    <a:lumMod val="65000"/>
-                    <a:lumOff val="35000"/>
-                  </a:schemeClr>
-                </a:solidFill>
+              <a:t>目前的版本是</a:t>
+            </a:r>
+            <a:r>
+              <a:rPr lang="en-US" altLang="zh-CN" dirty="0">
                 <a:latin typeface="微软雅黑" panose="020B0503020204020204" pitchFamily="34" charset="-122"/>
                 <a:ea typeface="微软雅黑" panose="020B0503020204020204" pitchFamily="34" charset="-122"/>
               </a:rPr>
-              <a:t>实现第三方登录</a:t>
-            </a:r>
-            <a:endParaRPr lang="en-US" altLang="zh-CN" sz="2000" dirty="0">
-              <a:solidFill>
-                <a:schemeClr val="tx1">
-                  <a:lumMod val="65000"/>
-                  <a:lumOff val="35000"/>
-                </a:schemeClr>
-              </a:solidFill>
-              <a:latin typeface="微软雅黑" panose="020B0503020204020204" pitchFamily="34" charset="-122"/>
-              <a:ea typeface="微软雅黑" panose="020B0503020204020204" pitchFamily="34" charset="-122"/>
-            </a:endParaRPr>
+              <a:t>2.0</a:t>
+            </a:r>
+            <a:r>
+              <a:rPr lang="zh-CN" altLang="en-US" dirty="0">
+                <a:latin typeface="微软雅黑" panose="020B0503020204020204" pitchFamily="34" charset="-122"/>
+                <a:ea typeface="微软雅黑" panose="020B0503020204020204" pitchFamily="34" charset="-122"/>
+              </a:rPr>
+              <a:t>。</a:t>
+            </a:r>
           </a:p>
         </p:txBody>
       </p:sp>
     </p:spTree>
     <p:extLst>
       <p:ext uri="{BB962C8B-B14F-4D97-AF65-F5344CB8AC3E}">
-        <p14:creationId xmlns:p14="http://schemas.microsoft.com/office/powerpoint/2010/main" val="2268354123"/>
+        <p14:creationId xmlns:p14="http://schemas.microsoft.com/office/powerpoint/2010/main" val="2699412093"/>
       </p:ext>
     </p:extLst>
   </p:cSld>
@@ -19030,32 +18848,29 @@
             <p:ph sz="quarter" idx="13"/>
           </p:nvPr>
         </p:nvSpPr>
-        <p:spPr/>
+        <p:spPr>
+          <a:xfrm>
+            <a:off x="1054099" y="543636"/>
+            <a:ext cx="7032626" cy="685800"/>
+          </a:xfrm>
+        </p:spPr>
         <p:txBody>
           <a:bodyPr/>
           <a:lstStyle/>
           <a:p>
             <a:r>
               <a:rPr lang="zh-CN" altLang="en-US" b="0" dirty="0"/>
-              <a:t>什么是</a:t>
-            </a:r>
-            <a:r>
-              <a:rPr lang="en-US" altLang="zh-CN" b="0" dirty="0" err="1"/>
-              <a:t>Oauth</a:t>
-            </a:r>
-            <a:r>
-              <a:rPr lang="zh-CN" altLang="en-US" b="0" dirty="0"/>
-              <a:t>协议</a:t>
-            </a:r>
-          </a:p>
-        </p:txBody>
-      </p:sp>
-      <p:sp>
-        <p:nvSpPr>
-          <p:cNvPr id="3" name="矩形 2">
+              <a:t>应用场景</a:t>
+            </a:r>
+          </a:p>
+        </p:txBody>
+      </p:sp>
+      <p:sp>
+        <p:nvSpPr>
+          <p:cNvPr id="4" name="矩形 3">
             <a:extLst>
               <a:ext uri="{FF2B5EF4-FFF2-40B4-BE49-F238E27FC236}">
-                <a16:creationId xmlns:a16="http://schemas.microsoft.com/office/drawing/2014/main" id="{CB4C7B03-B8C9-4B0F-9AFF-DF6BEBAB55B5}"/>
+                <a16:creationId xmlns:a16="http://schemas.microsoft.com/office/drawing/2014/main" id="{1F3B1BAA-77C0-498C-A5D5-B0BBEC194F7A}"/>
               </a:ext>
             </a:extLst>
           </p:cNvPr>
@@ -19064,8 +18879,8 @@
         </p:nvSpPr>
         <p:spPr>
           <a:xfrm>
-            <a:off x="1054099" y="1629300"/>
-            <a:ext cx="9908869" cy="1338828"/>
+            <a:off x="1150373" y="1748299"/>
+            <a:ext cx="9930582" cy="3618939"/>
           </a:xfrm>
           <a:prstGeom prst="rect">
             <a:avLst/>
@@ -19079,72 +18894,345 @@
           <a:p>
             <a:pPr marL="285750" indent="-285750">
               <a:lnSpc>
-                <a:spcPct val="150000"/>
+                <a:spcPts val="2500"/>
               </a:lnSpc>
               <a:buFont typeface="Arial" panose="020B0604020202020204" pitchFamily="34" charset="0"/>
               <a:buChar char="•"/>
             </a:pPr>
             <a:r>
               <a:rPr lang="en-US" altLang="zh-CN" dirty="0">
-                <a:latin typeface="微软雅黑" panose="020B0503020204020204" pitchFamily="34" charset="-122"/>
                 <a:ea typeface="微软雅黑" panose="020B0503020204020204" pitchFamily="34" charset="-122"/>
               </a:rPr>
               <a:t>OAuth</a:t>
             </a:r>
             <a:r>
               <a:rPr lang="zh-CN" altLang="en-US" dirty="0">
-                <a:latin typeface="微软雅黑" panose="020B0503020204020204" pitchFamily="34" charset="-122"/>
                 <a:ea typeface="微软雅黑" panose="020B0503020204020204" pitchFamily="34" charset="-122"/>
               </a:rPr>
-              <a:t>（</a:t>
-            </a:r>
-            <a:r>
-              <a:rPr lang="en-US" altLang="zh-CN" dirty="0">
-                <a:latin typeface="微软雅黑" panose="020B0503020204020204" pitchFamily="34" charset="-122"/>
+              <a:t>的出现是为了解决这样一个问题：</a:t>
+            </a:r>
+          </a:p>
+          <a:p>
+            <a:pPr lvl="1">
+              <a:lnSpc>
+                <a:spcPts val="2500"/>
+              </a:lnSpc>
+            </a:pPr>
+            <a:r>
+              <a:rPr lang="zh-CN" altLang="en-US" dirty="0">
                 <a:ea typeface="微软雅黑" panose="020B0503020204020204" pitchFamily="34" charset="-122"/>
               </a:rPr>
-              <a:t>Open Authorization</a:t>
-            </a:r>
-            <a:r>
-              <a:rPr lang="zh-CN" altLang="en-US" dirty="0">
-                <a:latin typeface="微软雅黑" panose="020B0503020204020204" pitchFamily="34" charset="-122"/>
+              <a:t>场景：</a:t>
+            </a:r>
+          </a:p>
+          <a:p>
+            <a:pPr lvl="1">
+              <a:lnSpc>
+                <a:spcPts val="2500"/>
+              </a:lnSpc>
+            </a:pPr>
+            <a:r>
+              <a:rPr lang="en-US" altLang="zh-CN" dirty="0">
                 <a:ea typeface="微软雅黑" panose="020B0503020204020204" pitchFamily="34" charset="-122"/>
               </a:rPr>
-              <a:t>，开放授权）是为用户资源的授权定义了一个安全、开放及简单的标准，第三方无需知道用户的账号及密码，就可获取到用户的授权信息，并且这是安全的。</a:t>
+              <a:t>1</a:t>
+            </a:r>
+            <a:r>
+              <a:rPr lang="zh-CN" altLang="en-US" dirty="0">
+                <a:ea typeface="微软雅黑" panose="020B0503020204020204" pitchFamily="34" charset="-122"/>
+              </a:rPr>
+              <a:t>，你有一个</a:t>
+            </a:r>
+            <a:r>
+              <a:rPr lang="en-US" altLang="zh-CN" dirty="0">
+                <a:ea typeface="微软雅黑" panose="020B0503020204020204" pitchFamily="34" charset="-122"/>
+              </a:rPr>
+              <a:t>Flickr</a:t>
+            </a:r>
+            <a:r>
+              <a:rPr lang="zh-CN" altLang="en-US" dirty="0">
+                <a:ea typeface="微软雅黑" panose="020B0503020204020204" pitchFamily="34" charset="-122"/>
+              </a:rPr>
+              <a:t>帐号，在上面有很多照片；</a:t>
+            </a:r>
+            <a:br>
+              <a:rPr lang="zh-CN" altLang="en-US" dirty="0">
+                <a:ea typeface="微软雅黑" panose="020B0503020204020204" pitchFamily="34" charset="-122"/>
+              </a:rPr>
+            </a:br>
+            <a:r>
+              <a:rPr lang="en-US" altLang="zh-CN" dirty="0">
+                <a:ea typeface="微软雅黑" panose="020B0503020204020204" pitchFamily="34" charset="-122"/>
+              </a:rPr>
+              <a:t>2</a:t>
+            </a:r>
+            <a:r>
+              <a:rPr lang="zh-CN" altLang="en-US" dirty="0">
+                <a:ea typeface="微软雅黑" panose="020B0503020204020204" pitchFamily="34" charset="-122"/>
+              </a:rPr>
+              <a:t>，你需要使用某照片打印网站打印</a:t>
+            </a:r>
+            <a:r>
+              <a:rPr lang="en-US" altLang="zh-CN" dirty="0">
+                <a:ea typeface="微软雅黑" panose="020B0503020204020204" pitchFamily="34" charset="-122"/>
+              </a:rPr>
+              <a:t>Flickr</a:t>
+            </a:r>
+            <a:r>
+              <a:rPr lang="zh-CN" altLang="en-US" dirty="0">
+                <a:ea typeface="微软雅黑" panose="020B0503020204020204" pitchFamily="34" charset="-122"/>
+              </a:rPr>
+              <a:t>上面的照片，你可以：</a:t>
+            </a:r>
+            <a:br>
+              <a:rPr lang="zh-CN" altLang="en-US" dirty="0">
+                <a:ea typeface="微软雅黑" panose="020B0503020204020204" pitchFamily="34" charset="-122"/>
+              </a:rPr>
+            </a:br>
+            <a:r>
+              <a:rPr lang="en-US" altLang="zh-CN" dirty="0">
+                <a:ea typeface="微软雅黑" panose="020B0503020204020204" pitchFamily="34" charset="-122"/>
+              </a:rPr>
+              <a:t>2.1</a:t>
+            </a:r>
+            <a:r>
+              <a:rPr lang="zh-CN" altLang="en-US" dirty="0">
+                <a:ea typeface="微软雅黑" panose="020B0503020204020204" pitchFamily="34" charset="-122"/>
+              </a:rPr>
+              <a:t>，从</a:t>
+            </a:r>
+            <a:r>
+              <a:rPr lang="en-US" altLang="zh-CN" dirty="0">
+                <a:ea typeface="微软雅黑" panose="020B0503020204020204" pitchFamily="34" charset="-122"/>
+              </a:rPr>
+              <a:t>Flickr</a:t>
+            </a:r>
+            <a:r>
+              <a:rPr lang="zh-CN" altLang="en-US" dirty="0">
+                <a:ea typeface="微软雅黑" panose="020B0503020204020204" pitchFamily="34" charset="-122"/>
+              </a:rPr>
+              <a:t>下载照片到本地，然后从电脑里上传照片到打印网站；</a:t>
+            </a:r>
+            <a:br>
+              <a:rPr lang="zh-CN" altLang="en-US" dirty="0">
+                <a:ea typeface="微软雅黑" panose="020B0503020204020204" pitchFamily="34" charset="-122"/>
+              </a:rPr>
+            </a:br>
+            <a:r>
+              <a:rPr lang="en-US" altLang="zh-CN" dirty="0">
+                <a:ea typeface="微软雅黑" panose="020B0503020204020204" pitchFamily="34" charset="-122"/>
+              </a:rPr>
+              <a:t>2.2</a:t>
+            </a:r>
+            <a:r>
+              <a:rPr lang="zh-CN" altLang="en-US" dirty="0">
+                <a:ea typeface="微软雅黑" panose="020B0503020204020204" pitchFamily="34" charset="-122"/>
+              </a:rPr>
+              <a:t>，在照片打印网站输入</a:t>
+            </a:r>
+            <a:r>
+              <a:rPr lang="en-US" altLang="zh-CN" dirty="0">
+                <a:ea typeface="微软雅黑" panose="020B0503020204020204" pitchFamily="34" charset="-122"/>
+              </a:rPr>
+              <a:t>Flickr</a:t>
+            </a:r>
+            <a:r>
+              <a:rPr lang="zh-CN" altLang="en-US" dirty="0">
+                <a:ea typeface="微软雅黑" panose="020B0503020204020204" pitchFamily="34" charset="-122"/>
+              </a:rPr>
+              <a:t>的帐号密码，直接让网站去</a:t>
+            </a:r>
+            <a:r>
+              <a:rPr lang="en-US" altLang="zh-CN" dirty="0">
+                <a:ea typeface="微软雅黑" panose="020B0503020204020204" pitchFamily="34" charset="-122"/>
+              </a:rPr>
+              <a:t>Flickr</a:t>
+            </a:r>
+            <a:r>
+              <a:rPr lang="zh-CN" altLang="en-US" dirty="0">
+                <a:ea typeface="微软雅黑" panose="020B0503020204020204" pitchFamily="34" charset="-122"/>
+              </a:rPr>
+              <a:t>读照片；</a:t>
             </a:r>
             <a:endParaRPr lang="en-US" altLang="zh-CN" dirty="0">
-              <a:latin typeface="微软雅黑" panose="020B0503020204020204" pitchFamily="34" charset="-122"/>
               <a:ea typeface="微软雅黑" panose="020B0503020204020204" pitchFamily="34" charset="-122"/>
             </a:endParaRPr>
           </a:p>
           <a:p>
+            <a:pPr lvl="1">
+              <a:lnSpc>
+                <a:spcPts val="2500"/>
+              </a:lnSpc>
+            </a:pPr>
+            <a:r>
+              <a:rPr lang="zh-CN" altLang="en-US" dirty="0">
+                <a:solidFill>
+                  <a:schemeClr val="accent6">
+                    <a:lumMod val="75000"/>
+                  </a:schemeClr>
+                </a:solidFill>
+                <a:ea typeface="微软雅黑" panose="020B0503020204020204" pitchFamily="34" charset="-122"/>
+              </a:rPr>
+              <a:t>问题：把</a:t>
+            </a:r>
+            <a:r>
+              <a:rPr lang="en-US" altLang="zh-CN" dirty="0">
+                <a:solidFill>
+                  <a:schemeClr val="accent6">
+                    <a:lumMod val="75000"/>
+                  </a:schemeClr>
+                </a:solidFill>
+                <a:ea typeface="微软雅黑" panose="020B0503020204020204" pitchFamily="34" charset="-122"/>
+              </a:rPr>
+              <a:t>Flickr</a:t>
+            </a:r>
+            <a:r>
+              <a:rPr lang="zh-CN" altLang="en-US" dirty="0">
+                <a:solidFill>
+                  <a:schemeClr val="accent6">
+                    <a:lumMod val="75000"/>
+                  </a:schemeClr>
+                </a:solidFill>
+                <a:ea typeface="微软雅黑" panose="020B0503020204020204" pitchFamily="34" charset="-122"/>
+              </a:rPr>
+              <a:t>帐号密码透露给了第三方。</a:t>
+            </a:r>
+          </a:p>
+          <a:p>
             <a:pPr marL="285750" indent="-285750">
               <a:lnSpc>
-                <a:spcPct val="150000"/>
+                <a:spcPts val="2500"/>
               </a:lnSpc>
               <a:buFont typeface="Arial" panose="020B0604020202020204" pitchFamily="34" charset="0"/>
               <a:buChar char="•"/>
             </a:pPr>
             <a:r>
               <a:rPr lang="zh-CN" altLang="en-US" dirty="0">
-                <a:latin typeface="微软雅黑" panose="020B0503020204020204" pitchFamily="34" charset="-122"/>
                 <a:ea typeface="微软雅黑" panose="020B0503020204020204" pitchFamily="34" charset="-122"/>
               </a:rPr>
-              <a:t>目前的版本是</a:t>
-            </a:r>
-            <a:r>
-              <a:rPr lang="en-US" altLang="zh-CN" dirty="0">
-                <a:latin typeface="微软雅黑" panose="020B0503020204020204" pitchFamily="34" charset="-122"/>
+              <a:t>解决方案：</a:t>
+            </a:r>
+            <a:endParaRPr lang="en-US" altLang="zh-CN" dirty="0">
+              <a:ea typeface="微软雅黑" panose="020B0503020204020204" pitchFamily="34" charset="-122"/>
+            </a:endParaRPr>
+          </a:p>
+          <a:p>
+            <a:pPr lvl="1">
+              <a:lnSpc>
+                <a:spcPts val="2500"/>
+              </a:lnSpc>
+            </a:pPr>
+            <a:r>
+              <a:rPr lang="en-US" altLang="zh-CN" b="1" dirty="0">
                 <a:ea typeface="微软雅黑" panose="020B0503020204020204" pitchFamily="34" charset="-122"/>
               </a:rPr>
-              <a:t>2.0</a:t>
-            </a:r>
-            <a:r>
-              <a:rPr lang="zh-CN" altLang="en-US" dirty="0">
-                <a:latin typeface="微软雅黑" panose="020B0503020204020204" pitchFamily="34" charset="-122"/>
+              <a:t>OAuth</a:t>
+            </a:r>
+            <a:r>
+              <a:rPr lang="zh-CN" altLang="en-US" b="1" dirty="0">
                 <a:ea typeface="微软雅黑" panose="020B0503020204020204" pitchFamily="34" charset="-122"/>
               </a:rPr>
-              <a:t>。</a:t>
+              <a:t>是让第三方应用不需要用户名密码读取用户数据的一个认证过程。</a:t>
+            </a:r>
+            <a:endParaRPr lang="zh-CN" altLang="en-US" dirty="0">
+              <a:ea typeface="微软雅黑" panose="020B0503020204020204" pitchFamily="34" charset="-122"/>
+            </a:endParaRPr>
+          </a:p>
+          <a:p>
+            <a:pPr lvl="1">
+              <a:lnSpc>
+                <a:spcPts val="2500"/>
+              </a:lnSpc>
+            </a:pPr>
+            <a:r>
+              <a:rPr lang="zh-CN" altLang="en-US" dirty="0">
+                <a:ea typeface="微软雅黑" panose="020B0503020204020204" pitchFamily="34" charset="-122"/>
+              </a:rPr>
+              <a:t>上面的场景中，</a:t>
+            </a:r>
+            <a:r>
+              <a:rPr lang="en-US" altLang="zh-CN" dirty="0">
+                <a:ea typeface="微软雅黑" panose="020B0503020204020204" pitchFamily="34" charset="-122"/>
+              </a:rPr>
+              <a:t>Flickr</a:t>
+            </a:r>
+            <a:r>
+              <a:rPr lang="zh-CN" altLang="en-US" dirty="0">
+                <a:ea typeface="微软雅黑" panose="020B0503020204020204" pitchFamily="34" charset="-122"/>
+              </a:rPr>
+              <a:t>有</a:t>
+            </a:r>
+            <a:r>
+              <a:rPr lang="en-US" altLang="zh-CN" dirty="0">
+                <a:ea typeface="微软雅黑" panose="020B0503020204020204" pitchFamily="34" charset="-122"/>
+              </a:rPr>
+              <a:t>API</a:t>
+            </a:r>
+            <a:r>
+              <a:rPr lang="zh-CN" altLang="en-US" dirty="0">
+                <a:ea typeface="微软雅黑" panose="020B0503020204020204" pitchFamily="34" charset="-122"/>
+              </a:rPr>
+              <a:t>支持</a:t>
+            </a:r>
+            <a:r>
+              <a:rPr lang="en-US" altLang="zh-CN" dirty="0">
+                <a:ea typeface="微软雅黑" panose="020B0503020204020204" pitchFamily="34" charset="-122"/>
+              </a:rPr>
+              <a:t>OAuth</a:t>
+            </a:r>
+            <a:r>
+              <a:rPr lang="zh-CN" altLang="en-US" dirty="0">
+                <a:ea typeface="微软雅黑" panose="020B0503020204020204" pitchFamily="34" charset="-122"/>
+              </a:rPr>
+              <a:t>，那么打印网站需要根据</a:t>
+            </a:r>
+            <a:r>
+              <a:rPr lang="en-US" altLang="zh-CN" dirty="0">
+                <a:ea typeface="微软雅黑" panose="020B0503020204020204" pitchFamily="34" charset="-122"/>
+              </a:rPr>
+              <a:t>API</a:t>
+            </a:r>
+            <a:r>
+              <a:rPr lang="zh-CN" altLang="en-US" dirty="0">
+                <a:ea typeface="微软雅黑" panose="020B0503020204020204" pitchFamily="34" charset="-122"/>
+              </a:rPr>
+              <a:t>注册应用，打印网站可以要求用户授权访问</a:t>
+            </a:r>
+            <a:r>
+              <a:rPr lang="en-US" altLang="zh-CN" dirty="0">
+                <a:ea typeface="微软雅黑" panose="020B0503020204020204" pitchFamily="34" charset="-122"/>
+              </a:rPr>
+              <a:t>Flickr</a:t>
+            </a:r>
+            <a:r>
+              <a:rPr lang="zh-CN" altLang="en-US" dirty="0">
+                <a:ea typeface="微软雅黑" panose="020B0503020204020204" pitchFamily="34" charset="-122"/>
+              </a:rPr>
+              <a:t>照片，而不是提供</a:t>
+            </a:r>
+            <a:r>
+              <a:rPr lang="en-US" altLang="zh-CN" dirty="0">
+                <a:ea typeface="微软雅黑" panose="020B0503020204020204" pitchFamily="34" charset="-122"/>
+              </a:rPr>
+              <a:t>Flickr</a:t>
+            </a:r>
+            <a:r>
+              <a:rPr lang="zh-CN" altLang="en-US" dirty="0">
+                <a:ea typeface="微软雅黑" panose="020B0503020204020204" pitchFamily="34" charset="-122"/>
+              </a:rPr>
+              <a:t>的帐号密码。这个授权过程就是</a:t>
+            </a:r>
+            <a:r>
+              <a:rPr lang="en-US" altLang="zh-CN" dirty="0">
+                <a:ea typeface="微软雅黑" panose="020B0503020204020204" pitchFamily="34" charset="-122"/>
+              </a:rPr>
+              <a:t>OAuth</a:t>
+            </a:r>
+            <a:r>
+              <a:rPr lang="zh-CN" altLang="en-US" dirty="0">
+                <a:ea typeface="微软雅黑" panose="020B0503020204020204" pitchFamily="34" charset="-122"/>
+              </a:rPr>
+              <a:t>的作用。</a:t>
             </a:r>
           </a:p>
         </p:txBody>
@@ -19152,7 +19240,7 @@
     </p:spTree>
     <p:extLst>
       <p:ext uri="{BB962C8B-B14F-4D97-AF65-F5344CB8AC3E}">
-        <p14:creationId xmlns:p14="http://schemas.microsoft.com/office/powerpoint/2010/main" val="2699412093"/>
+        <p14:creationId xmlns:p14="http://schemas.microsoft.com/office/powerpoint/2010/main" val="3536621535"/>
       </p:ext>
     </p:extLst>
   </p:cSld>
@@ -19200,18 +19288,22 @@
           <a:lstStyle/>
           <a:p>
             <a:r>
+              <a:rPr lang="en-US" altLang="zh-CN" b="0" dirty="0" err="1"/>
+              <a:t>Oauth</a:t>
+            </a:r>
+            <a:r>
               <a:rPr lang="zh-CN" altLang="en-US" b="0" dirty="0"/>
-              <a:t>应用场景</a:t>
-            </a:r>
-          </a:p>
-        </p:txBody>
-      </p:sp>
-      <p:sp>
-        <p:nvSpPr>
-          <p:cNvPr id="4" name="矩形 3">
+              <a:t>的思路</a:t>
+            </a:r>
+          </a:p>
+        </p:txBody>
+      </p:sp>
+      <p:sp>
+        <p:nvSpPr>
+          <p:cNvPr id="3" name="矩形 2">
             <a:extLst>
               <a:ext uri="{FF2B5EF4-FFF2-40B4-BE49-F238E27FC236}">
-                <a16:creationId xmlns:a16="http://schemas.microsoft.com/office/drawing/2014/main" id="{1F3B1BAA-77C0-498C-A5D5-B0BBEC194F7A}"/>
+                <a16:creationId xmlns:a16="http://schemas.microsoft.com/office/drawing/2014/main" id="{D126E1C9-41AB-4575-ADB5-B6DDD8583E97}"/>
               </a:ext>
             </a:extLst>
           </p:cNvPr>
@@ -19220,8 +19312,8 @@
         </p:nvSpPr>
         <p:spPr>
           <a:xfrm>
-            <a:off x="1150373" y="1748299"/>
-            <a:ext cx="9930582" cy="3618939"/>
+            <a:off x="1054099" y="1783226"/>
+            <a:ext cx="10233333" cy="2537874"/>
           </a:xfrm>
           <a:prstGeom prst="rect">
             <a:avLst/>
@@ -19235,7 +19327,7 @@
           <a:p>
             <a:pPr marL="285750" indent="-285750">
               <a:lnSpc>
-                <a:spcPts val="2500"/>
+                <a:spcPct val="150000"/>
               </a:lnSpc>
               <a:buFont typeface="Arial" panose="020B0604020202020204" pitchFamily="34" charset="0"/>
               <a:buChar char="•"/>
@@ -19250,330 +19342,232 @@
               <a:rPr lang="zh-CN" altLang="en-US" dirty="0">
                 <a:ea typeface="微软雅黑" panose="020B0503020204020204" pitchFamily="34" charset="-122"/>
               </a:rPr>
-              <a:t>的出现是为了解决这样一个问题：</a:t>
-            </a:r>
-          </a:p>
-          <a:p>
-            <a:pPr lvl="1">
-              <a:lnSpc>
-                <a:spcPts val="2500"/>
-              </a:lnSpc>
-            </a:pPr>
+              <a:t>在</a:t>
+            </a:r>
+            <a:r>
+              <a:rPr lang="en-US" altLang="zh-CN" dirty="0">
+                <a:ea typeface="微软雅黑" panose="020B0503020204020204" pitchFamily="34" charset="-122"/>
+              </a:rPr>
+              <a:t>"</a:t>
+            </a:r>
             <a:r>
               <a:rPr lang="zh-CN" altLang="en-US" dirty="0">
                 <a:ea typeface="微软雅黑" panose="020B0503020204020204" pitchFamily="34" charset="-122"/>
               </a:rPr>
-              <a:t>场景：</a:t>
-            </a:r>
-          </a:p>
-          <a:p>
-            <a:pPr lvl="1">
-              <a:lnSpc>
-                <a:spcPts val="2500"/>
-              </a:lnSpc>
-            </a:pPr>
+              <a:t>客户端</a:t>
+            </a:r>
             <a:r>
               <a:rPr lang="en-US" altLang="zh-CN" dirty="0">
                 <a:ea typeface="微软雅黑" panose="020B0503020204020204" pitchFamily="34" charset="-122"/>
               </a:rPr>
-              <a:t>1</a:t>
+              <a:t>"</a:t>
             </a:r>
             <a:r>
               <a:rPr lang="zh-CN" altLang="en-US" dirty="0">
                 <a:ea typeface="微软雅黑" panose="020B0503020204020204" pitchFamily="34" charset="-122"/>
               </a:rPr>
-              <a:t>，你有一个</a:t>
+              <a:t>与</a:t>
             </a:r>
             <a:r>
               <a:rPr lang="en-US" altLang="zh-CN" dirty="0">
                 <a:ea typeface="微软雅黑" panose="020B0503020204020204" pitchFamily="34" charset="-122"/>
               </a:rPr>
-              <a:t>Flickr</a:t>
+              <a:t>"</a:t>
             </a:r>
             <a:r>
               <a:rPr lang="zh-CN" altLang="en-US" dirty="0">
                 <a:ea typeface="微软雅黑" panose="020B0503020204020204" pitchFamily="34" charset="-122"/>
               </a:rPr>
-              <a:t>帐号，在上面有很多照片；</a:t>
-            </a:r>
-            <a:br>
+              <a:t>服务提供商</a:t>
+            </a:r>
+            <a:r>
+              <a:rPr lang="en-US" altLang="zh-CN" dirty="0">
+                <a:ea typeface="微软雅黑" panose="020B0503020204020204" pitchFamily="34" charset="-122"/>
+              </a:rPr>
+              <a:t>"</a:t>
+            </a:r>
+            <a:r>
               <a:rPr lang="zh-CN" altLang="en-US" dirty="0">
                 <a:ea typeface="微软雅黑" panose="020B0503020204020204" pitchFamily="34" charset="-122"/>
               </a:rPr>
-            </a:br>
+              <a:t>之间，设置了一个授权层（</a:t>
+            </a:r>
             <a:r>
               <a:rPr lang="en-US" altLang="zh-CN" dirty="0">
                 <a:ea typeface="微软雅黑" panose="020B0503020204020204" pitchFamily="34" charset="-122"/>
               </a:rPr>
-              <a:t>2</a:t>
+              <a:t>authorization layer</a:t>
             </a:r>
             <a:r>
               <a:rPr lang="zh-CN" altLang="en-US" dirty="0">
                 <a:ea typeface="微软雅黑" panose="020B0503020204020204" pitchFamily="34" charset="-122"/>
               </a:rPr>
-              <a:t>，你需要使用某照片打印网站打印</a:t>
+              <a:t>）。</a:t>
             </a:r>
             <a:r>
               <a:rPr lang="en-US" altLang="zh-CN" dirty="0">
                 <a:ea typeface="微软雅黑" panose="020B0503020204020204" pitchFamily="34" charset="-122"/>
               </a:rPr>
-              <a:t>Flickr</a:t>
+              <a:t>"</a:t>
             </a:r>
             <a:r>
               <a:rPr lang="zh-CN" altLang="en-US" dirty="0">
                 <a:ea typeface="微软雅黑" panose="020B0503020204020204" pitchFamily="34" charset="-122"/>
               </a:rPr>
-              <a:t>上面的照片，你可以：</a:t>
-            </a:r>
-            <a:br>
+              <a:t>客户端</a:t>
+            </a:r>
+            <a:r>
+              <a:rPr lang="en-US" altLang="zh-CN" dirty="0">
+                <a:ea typeface="微软雅黑" panose="020B0503020204020204" pitchFamily="34" charset="-122"/>
+              </a:rPr>
+              <a:t>"</a:t>
+            </a:r>
+            <a:r>
               <a:rPr lang="zh-CN" altLang="en-US" dirty="0">
                 <a:ea typeface="微软雅黑" panose="020B0503020204020204" pitchFamily="34" charset="-122"/>
               </a:rPr>
-            </a:br>
+              <a:t>不能直接登录</a:t>
+            </a:r>
             <a:r>
               <a:rPr lang="en-US" altLang="zh-CN" dirty="0">
                 <a:ea typeface="微软雅黑" panose="020B0503020204020204" pitchFamily="34" charset="-122"/>
               </a:rPr>
-              <a:t>2.1</a:t>
+              <a:t>"</a:t>
             </a:r>
             <a:r>
               <a:rPr lang="zh-CN" altLang="en-US" dirty="0">
                 <a:ea typeface="微软雅黑" panose="020B0503020204020204" pitchFamily="34" charset="-122"/>
               </a:rPr>
-              <a:t>，从</a:t>
+              <a:t>服务提供商</a:t>
             </a:r>
             <a:r>
               <a:rPr lang="en-US" altLang="zh-CN" dirty="0">
                 <a:ea typeface="微软雅黑" panose="020B0503020204020204" pitchFamily="34" charset="-122"/>
               </a:rPr>
-              <a:t>Flickr</a:t>
+              <a:t>"</a:t>
             </a:r>
             <a:r>
               <a:rPr lang="zh-CN" altLang="en-US" dirty="0">
                 <a:ea typeface="微软雅黑" panose="020B0503020204020204" pitchFamily="34" charset="-122"/>
               </a:rPr>
-              <a:t>下载照片到本地，然后从电脑里上传照片到打印网站；</a:t>
-            </a:r>
-            <a:br>
+              <a:t>，只能登录授权层，以此将用户与客户端区分开来。</a:t>
+            </a:r>
+            <a:r>
+              <a:rPr lang="en-US" altLang="zh-CN" dirty="0">
+                <a:ea typeface="微软雅黑" panose="020B0503020204020204" pitchFamily="34" charset="-122"/>
+              </a:rPr>
+              <a:t>"</a:t>
+            </a:r>
+            <a:r>
               <a:rPr lang="zh-CN" altLang="en-US" dirty="0">
                 <a:ea typeface="微软雅黑" panose="020B0503020204020204" pitchFamily="34" charset="-122"/>
               </a:rPr>
-            </a:br>
+              <a:t>客户端</a:t>
+            </a:r>
             <a:r>
               <a:rPr lang="en-US" altLang="zh-CN" dirty="0">
                 <a:ea typeface="微软雅黑" panose="020B0503020204020204" pitchFamily="34" charset="-122"/>
               </a:rPr>
-              <a:t>2.2</a:t>
+              <a:t>"</a:t>
             </a:r>
             <a:r>
               <a:rPr lang="zh-CN" altLang="en-US" dirty="0">
                 <a:ea typeface="微软雅黑" panose="020B0503020204020204" pitchFamily="34" charset="-122"/>
               </a:rPr>
-              <a:t>，在照片打印网站输入</a:t>
+              <a:t>登录授权层所用的令牌（</a:t>
             </a:r>
             <a:r>
               <a:rPr lang="en-US" altLang="zh-CN" dirty="0">
                 <a:ea typeface="微软雅黑" panose="020B0503020204020204" pitchFamily="34" charset="-122"/>
               </a:rPr>
-              <a:t>Flickr</a:t>
+              <a:t>token</a:t>
             </a:r>
             <a:r>
               <a:rPr lang="zh-CN" altLang="en-US" dirty="0">
                 <a:ea typeface="微软雅黑" panose="020B0503020204020204" pitchFamily="34" charset="-122"/>
               </a:rPr>
-              <a:t>的帐号密码，直接让网站去</a:t>
-            </a:r>
-            <a:r>
-              <a:rPr lang="en-US" altLang="zh-CN" dirty="0">
-                <a:ea typeface="微软雅黑" panose="020B0503020204020204" pitchFamily="34" charset="-122"/>
-              </a:rPr>
-              <a:t>Flickr</a:t>
-            </a:r>
-            <a:r>
-              <a:rPr lang="zh-CN" altLang="en-US" dirty="0">
-                <a:ea typeface="微软雅黑" panose="020B0503020204020204" pitchFamily="34" charset="-122"/>
-              </a:rPr>
-              <a:t>读照片；</a:t>
-            </a:r>
-            <a:endParaRPr lang="en-US" altLang="zh-CN" dirty="0">
-              <a:ea typeface="微软雅黑" panose="020B0503020204020204" pitchFamily="34" charset="-122"/>
-            </a:endParaRPr>
-          </a:p>
-          <a:p>
-            <a:pPr lvl="1">
-              <a:lnSpc>
-                <a:spcPts val="2500"/>
-              </a:lnSpc>
-            </a:pPr>
-            <a:r>
-              <a:rPr lang="zh-CN" altLang="en-US" dirty="0">
-                <a:solidFill>
-                  <a:schemeClr val="accent6">
-                    <a:lumMod val="75000"/>
-                  </a:schemeClr>
-                </a:solidFill>
-                <a:ea typeface="微软雅黑" panose="020B0503020204020204" pitchFamily="34" charset="-122"/>
-              </a:rPr>
-              <a:t>问题：把</a:t>
-            </a:r>
-            <a:r>
-              <a:rPr lang="en-US" altLang="zh-CN" dirty="0">
-                <a:solidFill>
-                  <a:schemeClr val="accent6">
-                    <a:lumMod val="75000"/>
-                  </a:schemeClr>
-                </a:solidFill>
-                <a:ea typeface="微软雅黑" panose="020B0503020204020204" pitchFamily="34" charset="-122"/>
-              </a:rPr>
-              <a:t>Flickr</a:t>
-            </a:r>
-            <a:r>
-              <a:rPr lang="zh-CN" altLang="en-US" dirty="0">
-                <a:solidFill>
-                  <a:schemeClr val="accent6">
-                    <a:lumMod val="75000"/>
-                  </a:schemeClr>
-                </a:solidFill>
-                <a:ea typeface="微软雅黑" panose="020B0503020204020204" pitchFamily="34" charset="-122"/>
-              </a:rPr>
-              <a:t>帐号密码透露给了第三方。</a:t>
+              <a:t>），与用户的密码不同。用户可以在登录的时候，指定授权层令牌的权限范围和有效期。</a:t>
             </a:r>
           </a:p>
           <a:p>
             <a:pPr marL="285750" indent="-285750">
               <a:lnSpc>
-                <a:spcPts val="2500"/>
+                <a:spcPct val="150000"/>
               </a:lnSpc>
               <a:buFont typeface="Arial" panose="020B0604020202020204" pitchFamily="34" charset="0"/>
               <a:buChar char="•"/>
             </a:pPr>
             <a:r>
+              <a:rPr lang="en-US" altLang="zh-CN" dirty="0">
+                <a:ea typeface="微软雅黑" panose="020B0503020204020204" pitchFamily="34" charset="-122"/>
+              </a:rPr>
+              <a:t>"</a:t>
+            </a:r>
+            <a:r>
               <a:rPr lang="zh-CN" altLang="en-US" dirty="0">
                 <a:ea typeface="微软雅黑" panose="020B0503020204020204" pitchFamily="34" charset="-122"/>
               </a:rPr>
-              <a:t>解决方案：</a:t>
-            </a:r>
-            <a:endParaRPr lang="en-US" altLang="zh-CN" dirty="0">
-              <a:ea typeface="微软雅黑" panose="020B0503020204020204" pitchFamily="34" charset="-122"/>
-            </a:endParaRPr>
-          </a:p>
-          <a:p>
-            <a:pPr lvl="1">
-              <a:lnSpc>
-                <a:spcPts val="2500"/>
-              </a:lnSpc>
-            </a:pPr>
-            <a:r>
-              <a:rPr lang="en-US" altLang="zh-CN" b="1" dirty="0">
+              <a:t>客户端</a:t>
+            </a:r>
+            <a:r>
+              <a:rPr lang="en-US" altLang="zh-CN" dirty="0">
                 <a:ea typeface="微软雅黑" panose="020B0503020204020204" pitchFamily="34" charset="-122"/>
               </a:rPr>
-              <a:t>OAuth</a:t>
-            </a:r>
-            <a:r>
-              <a:rPr lang="zh-CN" altLang="en-US" b="1" dirty="0">
-                <a:ea typeface="微软雅黑" panose="020B0503020204020204" pitchFamily="34" charset="-122"/>
-              </a:rPr>
-              <a:t>是让第三方应用不需要用户名密码读取用户数据的一个认证过程。</a:t>
-            </a:r>
-            <a:endParaRPr lang="zh-CN" altLang="en-US" dirty="0">
-              <a:ea typeface="微软雅黑" panose="020B0503020204020204" pitchFamily="34" charset="-122"/>
-            </a:endParaRPr>
-          </a:p>
-          <a:p>
-            <a:pPr lvl="1">
-              <a:lnSpc>
-                <a:spcPts val="2500"/>
-              </a:lnSpc>
-            </a:pPr>
+              <a:t>"</a:t>
+            </a:r>
             <a:r>
               <a:rPr lang="zh-CN" altLang="en-US" dirty="0">
                 <a:ea typeface="微软雅黑" panose="020B0503020204020204" pitchFamily="34" charset="-122"/>
               </a:rPr>
-              <a:t>上面的场景中，</a:t>
+              <a:t>登录授权层以后，</a:t>
             </a:r>
             <a:r>
               <a:rPr lang="en-US" altLang="zh-CN" dirty="0">
                 <a:ea typeface="微软雅黑" panose="020B0503020204020204" pitchFamily="34" charset="-122"/>
               </a:rPr>
-              <a:t>Flickr</a:t>
+              <a:t>"</a:t>
             </a:r>
             <a:r>
               <a:rPr lang="zh-CN" altLang="en-US" dirty="0">
                 <a:ea typeface="微软雅黑" panose="020B0503020204020204" pitchFamily="34" charset="-122"/>
               </a:rPr>
-              <a:t>有</a:t>
+              <a:t>服务提供商</a:t>
             </a:r>
             <a:r>
               <a:rPr lang="en-US" altLang="zh-CN" dirty="0">
                 <a:ea typeface="微软雅黑" panose="020B0503020204020204" pitchFamily="34" charset="-122"/>
               </a:rPr>
-              <a:t>API</a:t>
+              <a:t>"</a:t>
             </a:r>
             <a:r>
               <a:rPr lang="zh-CN" altLang="en-US" dirty="0">
                 <a:ea typeface="微软雅黑" panose="020B0503020204020204" pitchFamily="34" charset="-122"/>
               </a:rPr>
-              <a:t>支持</a:t>
+              <a:t>根据令牌的权限范围和有效期，向</a:t>
             </a:r>
             <a:r>
               <a:rPr lang="en-US" altLang="zh-CN" dirty="0">
                 <a:ea typeface="微软雅黑" panose="020B0503020204020204" pitchFamily="34" charset="-122"/>
               </a:rPr>
-              <a:t>OAuth</a:t>
+              <a:t>"</a:t>
             </a:r>
             <a:r>
               <a:rPr lang="zh-CN" altLang="en-US" dirty="0">
                 <a:ea typeface="微软雅黑" panose="020B0503020204020204" pitchFamily="34" charset="-122"/>
               </a:rPr>
-              <a:t>，那么打印网站需要根据</a:t>
+              <a:t>客户端</a:t>
             </a:r>
             <a:r>
               <a:rPr lang="en-US" altLang="zh-CN" dirty="0">
                 <a:ea typeface="微软雅黑" panose="020B0503020204020204" pitchFamily="34" charset="-122"/>
               </a:rPr>
-              <a:t>API</a:t>
+              <a:t>"</a:t>
             </a:r>
             <a:r>
               <a:rPr lang="zh-CN" altLang="en-US" dirty="0">
                 <a:ea typeface="微软雅黑" panose="020B0503020204020204" pitchFamily="34" charset="-122"/>
               </a:rPr>
-              <a:t>注册应用，打印网站可以要求用户授权访问</a:t>
-            </a:r>
-            <a:r>
-              <a:rPr lang="en-US" altLang="zh-CN" dirty="0">
-                <a:ea typeface="微软雅黑" panose="020B0503020204020204" pitchFamily="34" charset="-122"/>
-              </a:rPr>
-              <a:t>Flickr</a:t>
-            </a:r>
-            <a:r>
-              <a:rPr lang="zh-CN" altLang="en-US" dirty="0">
-                <a:ea typeface="微软雅黑" panose="020B0503020204020204" pitchFamily="34" charset="-122"/>
-              </a:rPr>
-              <a:t>照片，而不是提供</a:t>
-            </a:r>
-            <a:r>
-              <a:rPr lang="en-US" altLang="zh-CN" dirty="0">
-                <a:ea typeface="微软雅黑" panose="020B0503020204020204" pitchFamily="34" charset="-122"/>
-              </a:rPr>
-              <a:t>Flickr</a:t>
-            </a:r>
-            <a:r>
-              <a:rPr lang="zh-CN" altLang="en-US" dirty="0">
-                <a:ea typeface="微软雅黑" panose="020B0503020204020204" pitchFamily="34" charset="-122"/>
-              </a:rPr>
-              <a:t>的帐号密码。这个授权过程就是</a:t>
-            </a:r>
-            <a:r>
-              <a:rPr lang="en-US" altLang="zh-CN" dirty="0">
-                <a:ea typeface="微软雅黑" panose="020B0503020204020204" pitchFamily="34" charset="-122"/>
-              </a:rPr>
-              <a:t>OAuth</a:t>
-            </a:r>
-            <a:r>
-              <a:rPr lang="zh-CN" altLang="en-US" dirty="0">
-                <a:ea typeface="微软雅黑" panose="020B0503020204020204" pitchFamily="34" charset="-122"/>
-              </a:rPr>
-              <a:t>的作用。</a:t>
+              <a:t>开放用户储存的资料。</a:t>
             </a:r>
           </a:p>
         </p:txBody>
@@ -19581,7 +19575,7 @@
     </p:spTree>
     <p:extLst>
       <p:ext uri="{BB962C8B-B14F-4D97-AF65-F5344CB8AC3E}">
-        <p14:creationId xmlns:p14="http://schemas.microsoft.com/office/powerpoint/2010/main" val="3536621535"/>
+        <p14:creationId xmlns:p14="http://schemas.microsoft.com/office/powerpoint/2010/main" val="3020456092"/>
       </p:ext>
     </p:extLst>
   </p:cSld>
@@ -19634,341 +19628,6 @@
             </a:r>
             <a:r>
               <a:rPr lang="zh-CN" altLang="en-US" b="0" dirty="0"/>
-              <a:t>的思路</a:t>
-            </a:r>
-          </a:p>
-        </p:txBody>
-      </p:sp>
-      <p:sp>
-        <p:nvSpPr>
-          <p:cNvPr id="3" name="矩形 2">
-            <a:extLst>
-              <a:ext uri="{FF2B5EF4-FFF2-40B4-BE49-F238E27FC236}">
-                <a16:creationId xmlns:a16="http://schemas.microsoft.com/office/drawing/2014/main" id="{D126E1C9-41AB-4575-ADB5-B6DDD8583E97}"/>
-              </a:ext>
-            </a:extLst>
-          </p:cNvPr>
-          <p:cNvSpPr/>
-          <p:nvPr/>
-        </p:nvSpPr>
-        <p:spPr>
-          <a:xfrm>
-            <a:off x="1054099" y="1783226"/>
-            <a:ext cx="10233333" cy="2537874"/>
-          </a:xfrm>
-          <a:prstGeom prst="rect">
-            <a:avLst/>
-          </a:prstGeom>
-        </p:spPr>
-        <p:txBody>
-          <a:bodyPr wrap="square">
-            <a:spAutoFit/>
-          </a:bodyPr>
-          <a:lstStyle/>
-          <a:p>
-            <a:pPr marL="285750" indent="-285750">
-              <a:lnSpc>
-                <a:spcPct val="150000"/>
-              </a:lnSpc>
-              <a:buFont typeface="Arial" panose="020B0604020202020204" pitchFamily="34" charset="0"/>
-              <a:buChar char="•"/>
-            </a:pPr>
-            <a:r>
-              <a:rPr lang="en-US" altLang="zh-CN" dirty="0">
-                <a:ea typeface="微软雅黑" panose="020B0503020204020204" pitchFamily="34" charset="-122"/>
-              </a:rPr>
-              <a:t>OAuth</a:t>
-            </a:r>
-            <a:r>
-              <a:rPr lang="zh-CN" altLang="en-US" dirty="0">
-                <a:ea typeface="微软雅黑" panose="020B0503020204020204" pitchFamily="34" charset="-122"/>
-              </a:rPr>
-              <a:t>在</a:t>
-            </a:r>
-            <a:r>
-              <a:rPr lang="en-US" altLang="zh-CN" dirty="0">
-                <a:ea typeface="微软雅黑" panose="020B0503020204020204" pitchFamily="34" charset="-122"/>
-              </a:rPr>
-              <a:t>"</a:t>
-            </a:r>
-            <a:r>
-              <a:rPr lang="zh-CN" altLang="en-US" dirty="0">
-                <a:ea typeface="微软雅黑" panose="020B0503020204020204" pitchFamily="34" charset="-122"/>
-              </a:rPr>
-              <a:t>客户端</a:t>
-            </a:r>
-            <a:r>
-              <a:rPr lang="en-US" altLang="zh-CN" dirty="0">
-                <a:ea typeface="微软雅黑" panose="020B0503020204020204" pitchFamily="34" charset="-122"/>
-              </a:rPr>
-              <a:t>"</a:t>
-            </a:r>
-            <a:r>
-              <a:rPr lang="zh-CN" altLang="en-US" dirty="0">
-                <a:ea typeface="微软雅黑" panose="020B0503020204020204" pitchFamily="34" charset="-122"/>
-              </a:rPr>
-              <a:t>与</a:t>
-            </a:r>
-            <a:r>
-              <a:rPr lang="en-US" altLang="zh-CN" dirty="0">
-                <a:ea typeface="微软雅黑" panose="020B0503020204020204" pitchFamily="34" charset="-122"/>
-              </a:rPr>
-              <a:t>"</a:t>
-            </a:r>
-            <a:r>
-              <a:rPr lang="zh-CN" altLang="en-US" dirty="0">
-                <a:ea typeface="微软雅黑" panose="020B0503020204020204" pitchFamily="34" charset="-122"/>
-              </a:rPr>
-              <a:t>服务提供商</a:t>
-            </a:r>
-            <a:r>
-              <a:rPr lang="en-US" altLang="zh-CN" dirty="0">
-                <a:ea typeface="微软雅黑" panose="020B0503020204020204" pitchFamily="34" charset="-122"/>
-              </a:rPr>
-              <a:t>"</a:t>
-            </a:r>
-            <a:r>
-              <a:rPr lang="zh-CN" altLang="en-US" dirty="0">
-                <a:ea typeface="微软雅黑" panose="020B0503020204020204" pitchFamily="34" charset="-122"/>
-              </a:rPr>
-              <a:t>之间，设置了一个授权层（</a:t>
-            </a:r>
-            <a:r>
-              <a:rPr lang="en-US" altLang="zh-CN" dirty="0">
-                <a:ea typeface="微软雅黑" panose="020B0503020204020204" pitchFamily="34" charset="-122"/>
-              </a:rPr>
-              <a:t>authorization layer</a:t>
-            </a:r>
-            <a:r>
-              <a:rPr lang="zh-CN" altLang="en-US" dirty="0">
-                <a:ea typeface="微软雅黑" panose="020B0503020204020204" pitchFamily="34" charset="-122"/>
-              </a:rPr>
-              <a:t>）。</a:t>
-            </a:r>
-            <a:r>
-              <a:rPr lang="en-US" altLang="zh-CN" dirty="0">
-                <a:ea typeface="微软雅黑" panose="020B0503020204020204" pitchFamily="34" charset="-122"/>
-              </a:rPr>
-              <a:t>"</a:t>
-            </a:r>
-            <a:r>
-              <a:rPr lang="zh-CN" altLang="en-US" dirty="0">
-                <a:ea typeface="微软雅黑" panose="020B0503020204020204" pitchFamily="34" charset="-122"/>
-              </a:rPr>
-              <a:t>客户端</a:t>
-            </a:r>
-            <a:r>
-              <a:rPr lang="en-US" altLang="zh-CN" dirty="0">
-                <a:ea typeface="微软雅黑" panose="020B0503020204020204" pitchFamily="34" charset="-122"/>
-              </a:rPr>
-              <a:t>"</a:t>
-            </a:r>
-            <a:r>
-              <a:rPr lang="zh-CN" altLang="en-US" dirty="0">
-                <a:ea typeface="微软雅黑" panose="020B0503020204020204" pitchFamily="34" charset="-122"/>
-              </a:rPr>
-              <a:t>不能直接登录</a:t>
-            </a:r>
-            <a:r>
-              <a:rPr lang="en-US" altLang="zh-CN" dirty="0">
-                <a:ea typeface="微软雅黑" panose="020B0503020204020204" pitchFamily="34" charset="-122"/>
-              </a:rPr>
-              <a:t>"</a:t>
-            </a:r>
-            <a:r>
-              <a:rPr lang="zh-CN" altLang="en-US" dirty="0">
-                <a:ea typeface="微软雅黑" panose="020B0503020204020204" pitchFamily="34" charset="-122"/>
-              </a:rPr>
-              <a:t>服务提供商</a:t>
-            </a:r>
-            <a:r>
-              <a:rPr lang="en-US" altLang="zh-CN" dirty="0">
-                <a:ea typeface="微软雅黑" panose="020B0503020204020204" pitchFamily="34" charset="-122"/>
-              </a:rPr>
-              <a:t>"</a:t>
-            </a:r>
-            <a:r>
-              <a:rPr lang="zh-CN" altLang="en-US" dirty="0">
-                <a:ea typeface="微软雅黑" panose="020B0503020204020204" pitchFamily="34" charset="-122"/>
-              </a:rPr>
-              <a:t>，只能登录授权层，以此将用户与客户端区分开来。</a:t>
-            </a:r>
-            <a:r>
-              <a:rPr lang="en-US" altLang="zh-CN" dirty="0">
-                <a:ea typeface="微软雅黑" panose="020B0503020204020204" pitchFamily="34" charset="-122"/>
-              </a:rPr>
-              <a:t>"</a:t>
-            </a:r>
-            <a:r>
-              <a:rPr lang="zh-CN" altLang="en-US" dirty="0">
-                <a:ea typeface="微软雅黑" panose="020B0503020204020204" pitchFamily="34" charset="-122"/>
-              </a:rPr>
-              <a:t>客户端</a:t>
-            </a:r>
-            <a:r>
-              <a:rPr lang="en-US" altLang="zh-CN" dirty="0">
-                <a:ea typeface="微软雅黑" panose="020B0503020204020204" pitchFamily="34" charset="-122"/>
-              </a:rPr>
-              <a:t>"</a:t>
-            </a:r>
-            <a:r>
-              <a:rPr lang="zh-CN" altLang="en-US" dirty="0">
-                <a:ea typeface="微软雅黑" panose="020B0503020204020204" pitchFamily="34" charset="-122"/>
-              </a:rPr>
-              <a:t>登录授权层所用的令牌（</a:t>
-            </a:r>
-            <a:r>
-              <a:rPr lang="en-US" altLang="zh-CN" dirty="0">
-                <a:ea typeface="微软雅黑" panose="020B0503020204020204" pitchFamily="34" charset="-122"/>
-              </a:rPr>
-              <a:t>token</a:t>
-            </a:r>
-            <a:r>
-              <a:rPr lang="zh-CN" altLang="en-US" dirty="0">
-                <a:ea typeface="微软雅黑" panose="020B0503020204020204" pitchFamily="34" charset="-122"/>
-              </a:rPr>
-              <a:t>），与用户的密码不同。用户可以在登录的时候，指定授权层令牌的权限范围和有效期。</a:t>
-            </a:r>
-          </a:p>
-          <a:p>
-            <a:pPr marL="285750" indent="-285750">
-              <a:lnSpc>
-                <a:spcPct val="150000"/>
-              </a:lnSpc>
-              <a:buFont typeface="Arial" panose="020B0604020202020204" pitchFamily="34" charset="0"/>
-              <a:buChar char="•"/>
-            </a:pPr>
-            <a:r>
-              <a:rPr lang="en-US" altLang="zh-CN" dirty="0">
-                <a:ea typeface="微软雅黑" panose="020B0503020204020204" pitchFamily="34" charset="-122"/>
-              </a:rPr>
-              <a:t>"</a:t>
-            </a:r>
-            <a:r>
-              <a:rPr lang="zh-CN" altLang="en-US" dirty="0">
-                <a:ea typeface="微软雅黑" panose="020B0503020204020204" pitchFamily="34" charset="-122"/>
-              </a:rPr>
-              <a:t>客户端</a:t>
-            </a:r>
-            <a:r>
-              <a:rPr lang="en-US" altLang="zh-CN" dirty="0">
-                <a:ea typeface="微软雅黑" panose="020B0503020204020204" pitchFamily="34" charset="-122"/>
-              </a:rPr>
-              <a:t>"</a:t>
-            </a:r>
-            <a:r>
-              <a:rPr lang="zh-CN" altLang="en-US" dirty="0">
-                <a:ea typeface="微软雅黑" panose="020B0503020204020204" pitchFamily="34" charset="-122"/>
-              </a:rPr>
-              <a:t>登录授权层以后，</a:t>
-            </a:r>
-            <a:r>
-              <a:rPr lang="en-US" altLang="zh-CN" dirty="0">
-                <a:ea typeface="微软雅黑" panose="020B0503020204020204" pitchFamily="34" charset="-122"/>
-              </a:rPr>
-              <a:t>"</a:t>
-            </a:r>
-            <a:r>
-              <a:rPr lang="zh-CN" altLang="en-US" dirty="0">
-                <a:ea typeface="微软雅黑" panose="020B0503020204020204" pitchFamily="34" charset="-122"/>
-              </a:rPr>
-              <a:t>服务提供商</a:t>
-            </a:r>
-            <a:r>
-              <a:rPr lang="en-US" altLang="zh-CN" dirty="0">
-                <a:ea typeface="微软雅黑" panose="020B0503020204020204" pitchFamily="34" charset="-122"/>
-              </a:rPr>
-              <a:t>"</a:t>
-            </a:r>
-            <a:r>
-              <a:rPr lang="zh-CN" altLang="en-US" dirty="0">
-                <a:ea typeface="微软雅黑" panose="020B0503020204020204" pitchFamily="34" charset="-122"/>
-              </a:rPr>
-              <a:t>根据令牌的权限范围和有效期，向</a:t>
-            </a:r>
-            <a:r>
-              <a:rPr lang="en-US" altLang="zh-CN" dirty="0">
-                <a:ea typeface="微软雅黑" panose="020B0503020204020204" pitchFamily="34" charset="-122"/>
-              </a:rPr>
-              <a:t>"</a:t>
-            </a:r>
-            <a:r>
-              <a:rPr lang="zh-CN" altLang="en-US" dirty="0">
-                <a:ea typeface="微软雅黑" panose="020B0503020204020204" pitchFamily="34" charset="-122"/>
-              </a:rPr>
-              <a:t>客户端</a:t>
-            </a:r>
-            <a:r>
-              <a:rPr lang="en-US" altLang="zh-CN" dirty="0">
-                <a:ea typeface="微软雅黑" panose="020B0503020204020204" pitchFamily="34" charset="-122"/>
-              </a:rPr>
-              <a:t>"</a:t>
-            </a:r>
-            <a:r>
-              <a:rPr lang="zh-CN" altLang="en-US" dirty="0">
-                <a:ea typeface="微软雅黑" panose="020B0503020204020204" pitchFamily="34" charset="-122"/>
-              </a:rPr>
-              <a:t>开放用户储存的资料。</a:t>
-            </a:r>
-          </a:p>
-        </p:txBody>
-      </p:sp>
-    </p:spTree>
-    <p:extLst>
-      <p:ext uri="{BB962C8B-B14F-4D97-AF65-F5344CB8AC3E}">
-        <p14:creationId xmlns:p14="http://schemas.microsoft.com/office/powerpoint/2010/main" val="3020456092"/>
-      </p:ext>
-    </p:extLst>
-  </p:cSld>
-  <p:clrMapOvr>
-    <a:masterClrMapping/>
-  </p:clrMapOvr>
-</p:sld>
-</file>
-
-<file path=ppt/slides/slide8.xml><?xml version="1.0" encoding="utf-8"?>
-<p:sld xmlns:a="http://schemas.openxmlformats.org/drawingml/2006/main" xmlns:r="http://schemas.openxmlformats.org/officeDocument/2006/relationships" xmlns:p="http://schemas.openxmlformats.org/presentationml/2006/main">
-  <p:cSld>
-    <p:spTree>
-      <p:nvGrpSpPr>
-        <p:cNvPr id="1" name=""/>
-        <p:cNvGrpSpPr/>
-        <p:nvPr/>
-      </p:nvGrpSpPr>
-      <p:grpSpPr>
-        <a:xfrm>
-          <a:off x="0" y="0"/>
-          <a:ext cx="0" cy="0"/>
-          <a:chOff x="0" y="0"/>
-          <a:chExt cx="0" cy="0"/>
-        </a:xfrm>
-      </p:grpSpPr>
-      <p:sp>
-        <p:nvSpPr>
-          <p:cNvPr id="2" name="内容占位符 1"/>
-          <p:cNvSpPr>
-            <a:spLocks noGrp="1"/>
-          </p:cNvSpPr>
-          <p:nvPr>
-            <p:ph sz="quarter" idx="13"/>
-          </p:nvPr>
-        </p:nvSpPr>
-        <p:spPr>
-          <a:xfrm>
-            <a:off x="1054099" y="543636"/>
-            <a:ext cx="7032626" cy="685800"/>
-          </a:xfrm>
-        </p:spPr>
-        <p:txBody>
-          <a:bodyPr/>
-          <a:lstStyle/>
-          <a:p>
-            <a:r>
-              <a:rPr lang="en-US" altLang="zh-CN" b="0" dirty="0" err="1"/>
-              <a:t>Oauth</a:t>
-            </a:r>
-            <a:r>
-              <a:rPr lang="zh-CN" altLang="en-US" b="0" dirty="0"/>
               <a:t>优点</a:t>
             </a:r>
           </a:p>
@@ -20049,7 +19708,7 @@
 </p:sld>
 </file>
 
-<file path=ppt/slides/slide9.xml><?xml version="1.0" encoding="utf-8"?>
+<file path=ppt/slides/slide8.xml><?xml version="1.0" encoding="utf-8"?>
 <p:sld xmlns:a="http://schemas.openxmlformats.org/drawingml/2006/main" xmlns:r="http://schemas.openxmlformats.org/officeDocument/2006/relationships" xmlns:p="http://schemas.openxmlformats.org/presentationml/2006/main">
   <p:cSld>
     <p:spTree>
@@ -20133,6 +19792,194 @@
     <p:extLst>
       <p:ext uri="{BB962C8B-B14F-4D97-AF65-F5344CB8AC3E}">
         <p14:creationId xmlns:p14="http://schemas.microsoft.com/office/powerpoint/2010/main" val="3481064266"/>
+      </p:ext>
+    </p:extLst>
+  </p:cSld>
+  <p:clrMapOvr>
+    <a:masterClrMapping/>
+  </p:clrMapOvr>
+</p:sld>
+</file>
+
+<file path=ppt/slides/slide9.xml><?xml version="1.0" encoding="utf-8"?>
+<p:sld xmlns:a="http://schemas.openxmlformats.org/drawingml/2006/main" xmlns:r="http://schemas.openxmlformats.org/officeDocument/2006/relationships" xmlns:p="http://schemas.openxmlformats.org/presentationml/2006/main">
+  <p:cSld>
+    <p:spTree>
+      <p:nvGrpSpPr>
+        <p:cNvPr id="1" name=""/>
+        <p:cNvGrpSpPr/>
+        <p:nvPr/>
+      </p:nvGrpSpPr>
+      <p:grpSpPr>
+        <a:xfrm>
+          <a:off x="0" y="0"/>
+          <a:ext cx="0" cy="0"/>
+          <a:chOff x="0" y="0"/>
+          <a:chExt cx="0" cy="0"/>
+        </a:xfrm>
+      </p:grpSpPr>
+      <p:sp>
+        <p:nvSpPr>
+          <p:cNvPr id="2" name="内容占位符 1"/>
+          <p:cNvSpPr>
+            <a:spLocks noGrp="1"/>
+          </p:cNvSpPr>
+          <p:nvPr>
+            <p:ph sz="quarter" idx="13"/>
+          </p:nvPr>
+        </p:nvSpPr>
+        <p:spPr/>
+        <p:txBody>
+          <a:bodyPr/>
+          <a:lstStyle/>
+          <a:p>
+            <a:r>
+              <a:rPr lang="zh-CN" altLang="en-US" b="0" dirty="0"/>
+              <a:t>第二讲</a:t>
+            </a:r>
+          </a:p>
+        </p:txBody>
+      </p:sp>
+      <p:sp>
+        <p:nvSpPr>
+          <p:cNvPr id="4" name="文本框 3">
+            <a:extLst>
+              <a:ext uri="{FF2B5EF4-FFF2-40B4-BE49-F238E27FC236}">
+                <a16:creationId xmlns:a16="http://schemas.microsoft.com/office/drawing/2014/main" id="{3765F026-0FAD-43C2-8DC3-0891FBC69423}"/>
+              </a:ext>
+            </a:extLst>
+          </p:cNvPr>
+          <p:cNvSpPr txBox="1"/>
+          <p:nvPr/>
+        </p:nvSpPr>
+        <p:spPr>
+          <a:xfrm>
+            <a:off x="4031226" y="2343152"/>
+            <a:ext cx="5412812" cy="2062103"/>
+          </a:xfrm>
+          <a:prstGeom prst="rect">
+            <a:avLst/>
+          </a:prstGeom>
+          <a:noFill/>
+        </p:spPr>
+        <p:txBody>
+          <a:bodyPr wrap="square" rtlCol="0">
+            <a:spAutoFit/>
+          </a:bodyPr>
+          <a:lstStyle/>
+          <a:p>
+            <a:pPr marL="514350" indent="-514350">
+              <a:lnSpc>
+                <a:spcPct val="200000"/>
+              </a:lnSpc>
+              <a:buFont typeface="+mj-ea"/>
+              <a:buAutoNum type="ea1JpnChsDbPeriod"/>
+            </a:pPr>
+            <a:r>
+              <a:rPr lang="en-US" altLang="zh-CN" sz="2000" dirty="0" err="1">
+                <a:solidFill>
+                  <a:schemeClr val="tx1">
+                    <a:lumMod val="65000"/>
+                    <a:lumOff val="35000"/>
+                  </a:schemeClr>
+                </a:solidFill>
+                <a:latin typeface="微软雅黑" panose="020B0503020204020204" pitchFamily="34" charset="-122"/>
+                <a:ea typeface="微软雅黑" panose="020B0503020204020204" pitchFamily="34" charset="-122"/>
+              </a:rPr>
+              <a:t>Oauth</a:t>
+            </a:r>
+            <a:r>
+              <a:rPr lang="zh-CN" altLang="en-US" sz="2000" dirty="0">
+                <a:solidFill>
+                  <a:schemeClr val="tx1">
+                    <a:lumMod val="65000"/>
+                    <a:lumOff val="35000"/>
+                  </a:schemeClr>
+                </a:solidFill>
+                <a:latin typeface="微软雅黑" panose="020B0503020204020204" pitchFamily="34" charset="-122"/>
+                <a:ea typeface="微软雅黑" panose="020B0503020204020204" pitchFamily="34" charset="-122"/>
+              </a:rPr>
+              <a:t>协议基础</a:t>
+            </a:r>
+            <a:endParaRPr lang="en-US" altLang="zh-CN" sz="2000" dirty="0">
+              <a:solidFill>
+                <a:schemeClr val="tx1">
+                  <a:lumMod val="65000"/>
+                  <a:lumOff val="35000"/>
+                </a:schemeClr>
+              </a:solidFill>
+              <a:latin typeface="微软雅黑" panose="020B0503020204020204" pitchFamily="34" charset="-122"/>
+              <a:ea typeface="微软雅黑" panose="020B0503020204020204" pitchFamily="34" charset="-122"/>
+            </a:endParaRPr>
+          </a:p>
+          <a:p>
+            <a:pPr marL="514350" indent="-514350">
+              <a:lnSpc>
+                <a:spcPct val="200000"/>
+              </a:lnSpc>
+              <a:buFont typeface="+mj-ea"/>
+              <a:buAutoNum type="ea1JpnChsDbPeriod"/>
+            </a:pPr>
+            <a:r>
+              <a:rPr lang="zh-CN" altLang="en-US" sz="2400" dirty="0">
+                <a:solidFill>
+                  <a:schemeClr val="accent6">
+                    <a:lumMod val="75000"/>
+                  </a:schemeClr>
+                </a:solidFill>
+                <a:latin typeface="微软雅黑" panose="020B0503020204020204" pitchFamily="34" charset="-122"/>
+                <a:ea typeface="微软雅黑" panose="020B0503020204020204" pitchFamily="34" charset="-122"/>
+              </a:rPr>
+              <a:t>微信网页授权</a:t>
+            </a:r>
+            <a:endParaRPr lang="en-US" altLang="zh-CN" sz="2400" dirty="0">
+              <a:solidFill>
+                <a:schemeClr val="accent6">
+                  <a:lumMod val="75000"/>
+                </a:schemeClr>
+              </a:solidFill>
+              <a:latin typeface="微软雅黑" panose="020B0503020204020204" pitchFamily="34" charset="-122"/>
+              <a:ea typeface="微软雅黑" panose="020B0503020204020204" pitchFamily="34" charset="-122"/>
+            </a:endParaRPr>
+          </a:p>
+          <a:p>
+            <a:pPr marL="514350" indent="-514350">
+              <a:lnSpc>
+                <a:spcPct val="200000"/>
+              </a:lnSpc>
+              <a:buFont typeface="+mj-ea"/>
+              <a:buAutoNum type="ea1JpnChsDbPeriod"/>
+            </a:pPr>
+            <a:r>
+              <a:rPr lang="zh-CN" altLang="en-US" sz="2000" dirty="0">
+                <a:solidFill>
+                  <a:schemeClr val="tx1">
+                    <a:lumMod val="65000"/>
+                    <a:lumOff val="35000"/>
+                  </a:schemeClr>
+                </a:solidFill>
+                <a:latin typeface="微软雅黑" panose="020B0503020204020204" pitchFamily="34" charset="-122"/>
+                <a:ea typeface="微软雅黑" panose="020B0503020204020204" pitchFamily="34" charset="-122"/>
+              </a:rPr>
+              <a:t>实现第三方登录</a:t>
+            </a:r>
+            <a:endParaRPr lang="en-US" altLang="zh-CN" sz="2000" dirty="0">
+              <a:solidFill>
+                <a:schemeClr val="tx1">
+                  <a:lumMod val="65000"/>
+                  <a:lumOff val="35000"/>
+                </a:schemeClr>
+              </a:solidFill>
+              <a:latin typeface="微软雅黑" panose="020B0503020204020204" pitchFamily="34" charset="-122"/>
+              <a:ea typeface="微软雅黑" panose="020B0503020204020204" pitchFamily="34" charset="-122"/>
+            </a:endParaRPr>
+          </a:p>
+        </p:txBody>
+      </p:sp>
+    </p:spTree>
+    <p:extLst>
+      <p:ext uri="{BB962C8B-B14F-4D97-AF65-F5344CB8AC3E}">
+        <p14:creationId xmlns:p14="http://schemas.microsoft.com/office/powerpoint/2010/main" val="2999457395"/>
       </p:ext>
     </p:extLst>
   </p:cSld>
